--- a/디지털 영상처리/디지털영상처리(Homework#04).pptx
+++ b/디지털 영상처리/디지털영상처리(Homework#04).pptx
@@ -244,7 +244,7 @@
           <a:p>
             <a:fld id="{60A20359-8CA1-4405-8BAD-787A69404068}" type="datetimeFigureOut">
               <a:rPr lang="ko-KR" altLang="en-US" smtClean="0"/>
-              <a:t>2021-05-13</a:t>
+              <a:t>2021-05-20</a:t>
             </a:fld>
             <a:endParaRPr lang="ko-KR" altLang="en-US"/>
           </a:p>
@@ -414,7 +414,7 @@
           <a:p>
             <a:fld id="{60A20359-8CA1-4405-8BAD-787A69404068}" type="datetimeFigureOut">
               <a:rPr lang="ko-KR" altLang="en-US" smtClean="0"/>
-              <a:t>2021-05-13</a:t>
+              <a:t>2021-05-20</a:t>
             </a:fld>
             <a:endParaRPr lang="ko-KR" altLang="en-US"/>
           </a:p>
@@ -594,7 +594,7 @@
           <a:p>
             <a:fld id="{60A20359-8CA1-4405-8BAD-787A69404068}" type="datetimeFigureOut">
               <a:rPr lang="ko-KR" altLang="en-US" smtClean="0"/>
-              <a:t>2021-05-13</a:t>
+              <a:t>2021-05-20</a:t>
             </a:fld>
             <a:endParaRPr lang="ko-KR" altLang="en-US"/>
           </a:p>
@@ -764,7 +764,7 @@
           <a:p>
             <a:fld id="{60A20359-8CA1-4405-8BAD-787A69404068}" type="datetimeFigureOut">
               <a:rPr lang="ko-KR" altLang="en-US" smtClean="0"/>
-              <a:t>2021-05-13</a:t>
+              <a:t>2021-05-20</a:t>
             </a:fld>
             <a:endParaRPr lang="ko-KR" altLang="en-US"/>
           </a:p>
@@ -1008,7 +1008,7 @@
           <a:p>
             <a:fld id="{60A20359-8CA1-4405-8BAD-787A69404068}" type="datetimeFigureOut">
               <a:rPr lang="ko-KR" altLang="en-US" smtClean="0"/>
-              <a:t>2021-05-13</a:t>
+              <a:t>2021-05-20</a:t>
             </a:fld>
             <a:endParaRPr lang="ko-KR" altLang="en-US"/>
           </a:p>
@@ -1240,7 +1240,7 @@
           <a:p>
             <a:fld id="{60A20359-8CA1-4405-8BAD-787A69404068}" type="datetimeFigureOut">
               <a:rPr lang="ko-KR" altLang="en-US" smtClean="0"/>
-              <a:t>2021-05-13</a:t>
+              <a:t>2021-05-20</a:t>
             </a:fld>
             <a:endParaRPr lang="ko-KR" altLang="en-US"/>
           </a:p>
@@ -1607,7 +1607,7 @@
           <a:p>
             <a:fld id="{60A20359-8CA1-4405-8BAD-787A69404068}" type="datetimeFigureOut">
               <a:rPr lang="ko-KR" altLang="en-US" smtClean="0"/>
-              <a:t>2021-05-13</a:t>
+              <a:t>2021-05-20</a:t>
             </a:fld>
             <a:endParaRPr lang="ko-KR" altLang="en-US"/>
           </a:p>
@@ -1725,7 +1725,7 @@
           <a:p>
             <a:fld id="{60A20359-8CA1-4405-8BAD-787A69404068}" type="datetimeFigureOut">
               <a:rPr lang="ko-KR" altLang="en-US" smtClean="0"/>
-              <a:t>2021-05-13</a:t>
+              <a:t>2021-05-20</a:t>
             </a:fld>
             <a:endParaRPr lang="ko-KR" altLang="en-US"/>
           </a:p>
@@ -1820,7 +1820,7 @@
           <a:p>
             <a:fld id="{60A20359-8CA1-4405-8BAD-787A69404068}" type="datetimeFigureOut">
               <a:rPr lang="ko-KR" altLang="en-US" smtClean="0"/>
-              <a:t>2021-05-13</a:t>
+              <a:t>2021-05-20</a:t>
             </a:fld>
             <a:endParaRPr lang="ko-KR" altLang="en-US"/>
           </a:p>
@@ -2097,7 +2097,7 @@
           <a:p>
             <a:fld id="{60A20359-8CA1-4405-8BAD-787A69404068}" type="datetimeFigureOut">
               <a:rPr lang="ko-KR" altLang="en-US" smtClean="0"/>
-              <a:t>2021-05-13</a:t>
+              <a:t>2021-05-20</a:t>
             </a:fld>
             <a:endParaRPr lang="ko-KR" altLang="en-US"/>
           </a:p>
@@ -2354,7 +2354,7 @@
           <a:p>
             <a:fld id="{60A20359-8CA1-4405-8BAD-787A69404068}" type="datetimeFigureOut">
               <a:rPr lang="ko-KR" altLang="en-US" smtClean="0"/>
-              <a:t>2021-05-13</a:t>
+              <a:t>2021-05-20</a:t>
             </a:fld>
             <a:endParaRPr lang="ko-KR" altLang="en-US"/>
           </a:p>
@@ -2567,7 +2567,7 @@
           <a:p>
             <a:fld id="{60A20359-8CA1-4405-8BAD-787A69404068}" type="datetimeFigureOut">
               <a:rPr lang="ko-KR" altLang="en-US" smtClean="0"/>
-              <a:t>2021-05-13</a:t>
+              <a:t>2021-05-20</a:t>
             </a:fld>
             <a:endParaRPr lang="ko-KR" altLang="en-US"/>
           </a:p>
@@ -3635,6 +3635,12 @@
           </a:bodyPr>
           <a:lstStyle/>
           <a:p>
+            <a:r>
+              <a:rPr lang="en-US" altLang="en-US" sz="1200" dirty="0">
+                <a:latin typeface="+mn-ea"/>
+              </a:rPr>
+              <a:t>20193148</a:t>
+            </a:r>
             <a:endParaRPr lang="ko-Kore-KR" altLang="en-US" sz="1200" dirty="0">
               <a:latin typeface="+mn-ea"/>
             </a:endParaRPr>
@@ -3721,6 +3727,12 @@
           </a:bodyPr>
           <a:lstStyle/>
           <a:p>
+            <a:r>
+              <a:rPr lang="ko-KR" altLang="en-US" sz="1200" dirty="0">
+                <a:latin typeface="+mn-ea"/>
+              </a:rPr>
+              <a:t>황진주</a:t>
+            </a:r>
             <a:endParaRPr lang="ko-Kore-KR" altLang="en-US" sz="1200" dirty="0">
               <a:latin typeface="+mn-ea"/>
             </a:endParaRPr>
@@ -4370,120 +4382,6 @@
         <p:spPr>
           <a:xfrm>
             <a:off x="339634" y="442227"/>
-            <a:ext cx="6178731" cy="9021545"/>
-          </a:xfrm>
-          <a:prstGeom prst="rect">
-            <a:avLst/>
-          </a:prstGeom>
-          <a:solidFill>
-            <a:schemeClr val="bg2"/>
-          </a:solidFill>
-          <a:ln>
-            <a:solidFill>
-              <a:schemeClr val="tx1"/>
-            </a:solidFill>
-          </a:ln>
-        </p:spPr>
-        <p:style>
-          <a:lnRef idx="2">
-            <a:schemeClr val="accent1">
-              <a:shade val="50000"/>
-            </a:schemeClr>
-          </a:lnRef>
-          <a:fillRef idx="1">
-            <a:schemeClr val="accent1"/>
-          </a:fillRef>
-          <a:effectRef idx="0">
-            <a:schemeClr val="accent1"/>
-          </a:effectRef>
-          <a:fontRef idx="minor">
-            <a:schemeClr val="lt1"/>
-          </a:fontRef>
-        </p:style>
-        <p:txBody>
-          <a:bodyPr rtlCol="0" anchor="t" anchorCtr="0"/>
-          <a:lstStyle/>
-          <a:p>
-            <a:pPr algn="just"/>
-            <a:r>
-              <a:rPr lang="en-US" altLang="ko-KR" sz="1200" dirty="0">
-                <a:solidFill>
-                  <a:srgbClr val="FF0000"/>
-                </a:solidFill>
-              </a:rPr>
-              <a:t>(Python </a:t>
-            </a:r>
-            <a:r>
-              <a:rPr lang="ko-KR" altLang="en-US" sz="1200" dirty="0">
-                <a:solidFill>
-                  <a:srgbClr val="FF0000"/>
-                </a:solidFill>
-              </a:rPr>
-              <a:t>코드를 복사하고</a:t>
-            </a:r>
-            <a:r>
-              <a:rPr lang="en-US" altLang="ko-KR" sz="1200" dirty="0">
-                <a:solidFill>
-                  <a:srgbClr val="FF0000"/>
-                </a:solidFill>
-              </a:rPr>
-              <a:t>,</a:t>
-            </a:r>
-            <a:r>
-              <a:rPr lang="ko-KR" altLang="en-US" sz="1200" dirty="0">
-                <a:solidFill>
-                  <a:srgbClr val="FF0000"/>
-                </a:solidFill>
-              </a:rPr>
-              <a:t> 결과 예제 영상도 함께 첨부합니다</a:t>
-            </a:r>
-            <a:r>
-              <a:rPr lang="en-US" altLang="ko-KR" sz="1200" dirty="0">
-                <a:solidFill>
-                  <a:srgbClr val="FF0000"/>
-                </a:solidFill>
-              </a:rPr>
-              <a:t>,</a:t>
-            </a:r>
-            <a:r>
-              <a:rPr lang="ko-KR" altLang="en-US" sz="1200" dirty="0">
-                <a:solidFill>
-                  <a:srgbClr val="FF0000"/>
-                </a:solidFill>
-              </a:rPr>
-              <a:t> 부족 시 페이지를 추가합니다</a:t>
-            </a:r>
-            <a:r>
-              <a:rPr lang="en-US" altLang="ko-KR" sz="1200" dirty="0">
-                <a:solidFill>
-                  <a:srgbClr val="FF0000"/>
-                </a:solidFill>
-              </a:rPr>
-              <a:t>)</a:t>
-            </a:r>
-            <a:endParaRPr lang="ko-KR" altLang="en-US" sz="1200" dirty="0">
-              <a:solidFill>
-                <a:srgbClr val="FF0000"/>
-              </a:solidFill>
-            </a:endParaRPr>
-          </a:p>
-        </p:txBody>
-      </p:sp>
-      <p:sp>
-        <p:nvSpPr>
-          <p:cNvPr id="5" name="직사각형 4">
-            <a:extLst>
-              <a:ext uri="{FF2B5EF4-FFF2-40B4-BE49-F238E27FC236}">
-                <a16:creationId xmlns:a16="http://schemas.microsoft.com/office/drawing/2014/main" id="{E1F0CE53-2B0B-5449-8B3E-C1EBE1F55F2A}"/>
-              </a:ext>
-            </a:extLst>
-          </p:cNvPr>
-          <p:cNvSpPr/>
-          <p:nvPr/>
-        </p:nvSpPr>
-        <p:spPr>
-          <a:xfrm>
-            <a:off x="492034" y="594627"/>
             <a:ext cx="6178731" cy="9021545"/>
           </a:xfrm>
           <a:prstGeom prst="rect">

--- a/디지털 영상처리/디지털영상처리(Homework#04).pptx
+++ b/디지털 영상처리/디지털영상처리(Homework#04).pptx
@@ -7,6 +7,7 @@
   <p:sldIdLst>
     <p:sldId id="256" r:id="rId2"/>
     <p:sldId id="257" r:id="rId3"/>
+    <p:sldId id="258" r:id="rId4"/>
   </p:sldIdLst>
   <p:sldSz cx="6858000" cy="9906000" type="A4"/>
   <p:notesSz cx="6858000" cy="9144000"/>
@@ -244,7 +245,7 @@
           <a:p>
             <a:fld id="{60A20359-8CA1-4405-8BAD-787A69404068}" type="datetimeFigureOut">
               <a:rPr lang="ko-KR" altLang="en-US" smtClean="0"/>
-              <a:t>2021-05-20</a:t>
+              <a:t>2021-05-21</a:t>
             </a:fld>
             <a:endParaRPr lang="ko-KR" altLang="en-US"/>
           </a:p>
@@ -414,7 +415,7 @@
           <a:p>
             <a:fld id="{60A20359-8CA1-4405-8BAD-787A69404068}" type="datetimeFigureOut">
               <a:rPr lang="ko-KR" altLang="en-US" smtClean="0"/>
-              <a:t>2021-05-20</a:t>
+              <a:t>2021-05-21</a:t>
             </a:fld>
             <a:endParaRPr lang="ko-KR" altLang="en-US"/>
           </a:p>
@@ -594,7 +595,7 @@
           <a:p>
             <a:fld id="{60A20359-8CA1-4405-8BAD-787A69404068}" type="datetimeFigureOut">
               <a:rPr lang="ko-KR" altLang="en-US" smtClean="0"/>
-              <a:t>2021-05-20</a:t>
+              <a:t>2021-05-21</a:t>
             </a:fld>
             <a:endParaRPr lang="ko-KR" altLang="en-US"/>
           </a:p>
@@ -764,7 +765,7 @@
           <a:p>
             <a:fld id="{60A20359-8CA1-4405-8BAD-787A69404068}" type="datetimeFigureOut">
               <a:rPr lang="ko-KR" altLang="en-US" smtClean="0"/>
-              <a:t>2021-05-20</a:t>
+              <a:t>2021-05-21</a:t>
             </a:fld>
             <a:endParaRPr lang="ko-KR" altLang="en-US"/>
           </a:p>
@@ -1008,7 +1009,7 @@
           <a:p>
             <a:fld id="{60A20359-8CA1-4405-8BAD-787A69404068}" type="datetimeFigureOut">
               <a:rPr lang="ko-KR" altLang="en-US" smtClean="0"/>
-              <a:t>2021-05-20</a:t>
+              <a:t>2021-05-21</a:t>
             </a:fld>
             <a:endParaRPr lang="ko-KR" altLang="en-US"/>
           </a:p>
@@ -1240,7 +1241,7 @@
           <a:p>
             <a:fld id="{60A20359-8CA1-4405-8BAD-787A69404068}" type="datetimeFigureOut">
               <a:rPr lang="ko-KR" altLang="en-US" smtClean="0"/>
-              <a:t>2021-05-20</a:t>
+              <a:t>2021-05-21</a:t>
             </a:fld>
             <a:endParaRPr lang="ko-KR" altLang="en-US"/>
           </a:p>
@@ -1607,7 +1608,7 @@
           <a:p>
             <a:fld id="{60A20359-8CA1-4405-8BAD-787A69404068}" type="datetimeFigureOut">
               <a:rPr lang="ko-KR" altLang="en-US" smtClean="0"/>
-              <a:t>2021-05-20</a:t>
+              <a:t>2021-05-21</a:t>
             </a:fld>
             <a:endParaRPr lang="ko-KR" altLang="en-US"/>
           </a:p>
@@ -1725,7 +1726,7 @@
           <a:p>
             <a:fld id="{60A20359-8CA1-4405-8BAD-787A69404068}" type="datetimeFigureOut">
               <a:rPr lang="ko-KR" altLang="en-US" smtClean="0"/>
-              <a:t>2021-05-20</a:t>
+              <a:t>2021-05-21</a:t>
             </a:fld>
             <a:endParaRPr lang="ko-KR" altLang="en-US"/>
           </a:p>
@@ -1820,7 +1821,7 @@
           <a:p>
             <a:fld id="{60A20359-8CA1-4405-8BAD-787A69404068}" type="datetimeFigureOut">
               <a:rPr lang="ko-KR" altLang="en-US" smtClean="0"/>
-              <a:t>2021-05-20</a:t>
+              <a:t>2021-05-21</a:t>
             </a:fld>
             <a:endParaRPr lang="ko-KR" altLang="en-US"/>
           </a:p>
@@ -2097,7 +2098,7 @@
           <a:p>
             <a:fld id="{60A20359-8CA1-4405-8BAD-787A69404068}" type="datetimeFigureOut">
               <a:rPr lang="ko-KR" altLang="en-US" smtClean="0"/>
-              <a:t>2021-05-20</a:t>
+              <a:t>2021-05-21</a:t>
             </a:fld>
             <a:endParaRPr lang="ko-KR" altLang="en-US"/>
           </a:p>
@@ -2354,7 +2355,7 @@
           <a:p>
             <a:fld id="{60A20359-8CA1-4405-8BAD-787A69404068}" type="datetimeFigureOut">
               <a:rPr lang="ko-KR" altLang="en-US" smtClean="0"/>
-              <a:t>2021-05-20</a:t>
+              <a:t>2021-05-21</a:t>
             </a:fld>
             <a:endParaRPr lang="ko-KR" altLang="en-US"/>
           </a:p>
@@ -2567,7 +2568,7 @@
           <a:p>
             <a:fld id="{60A20359-8CA1-4405-8BAD-787A69404068}" type="datetimeFigureOut">
               <a:rPr lang="ko-KR" altLang="en-US" smtClean="0"/>
-              <a:t>2021-05-20</a:t>
+              <a:t>2021-05-21</a:t>
             </a:fld>
             <a:endParaRPr lang="ko-KR" altLang="en-US"/>
           </a:p>
@@ -3491,65 +3492,766 @@
             <a:r>
               <a:rPr lang="en-US" altLang="ko-KR" sz="1200" dirty="0">
                 <a:solidFill>
-                  <a:srgbClr val="FF0000"/>
-                </a:solidFill>
-              </a:rPr>
-              <a:t>(Python </a:t>
-            </a:r>
-            <a:r>
-              <a:rPr lang="ko-KR" altLang="en-US" sz="1200" dirty="0">
-                <a:solidFill>
-                  <a:srgbClr val="FF0000"/>
-                </a:solidFill>
-              </a:rPr>
-              <a:t>코드를 복사하고</a:t>
-            </a:r>
-            <a:r>
-              <a:rPr lang="en-US" altLang="ko-KR" sz="1200" dirty="0">
-                <a:solidFill>
-                  <a:srgbClr val="FF0000"/>
-                </a:solidFill>
-              </a:rPr>
-              <a:t>,</a:t>
-            </a:r>
-            <a:r>
-              <a:rPr lang="ko-KR" altLang="en-US" sz="1200" dirty="0">
-                <a:solidFill>
-                  <a:srgbClr val="FF0000"/>
-                </a:solidFill>
-              </a:rPr>
-              <a:t> 결과 예제 영상도 함께 첨부합니다</a:t>
-            </a:r>
-            <a:r>
-              <a:rPr lang="en-US" altLang="ko-KR" sz="1200" dirty="0">
-                <a:solidFill>
-                  <a:srgbClr val="FF0000"/>
-                </a:solidFill>
-              </a:rPr>
-              <a:t>,</a:t>
-            </a:r>
-            <a:r>
-              <a:rPr lang="ko-KR" altLang="en-US" sz="1200" dirty="0">
-                <a:solidFill>
-                  <a:srgbClr val="FF0000"/>
-                </a:solidFill>
-              </a:rPr>
-              <a:t> 부족 시 페이지를 추가합니다</a:t>
-            </a:r>
-            <a:r>
-              <a:rPr lang="en-US" altLang="ko-KR" sz="1200" dirty="0">
-                <a:solidFill>
-                  <a:srgbClr val="FF0000"/>
+                  <a:schemeClr val="tx1"/>
+                </a:solidFill>
+              </a:rPr>
+              <a:t>import </a:t>
+            </a:r>
+            <a:r>
+              <a:rPr lang="en-US" altLang="ko-KR" sz="1200" dirty="0" err="1">
+                <a:solidFill>
+                  <a:schemeClr val="tx1"/>
+                </a:solidFill>
+              </a:rPr>
+              <a:t>numpy</a:t>
+            </a:r>
+            <a:r>
+              <a:rPr lang="en-US" altLang="ko-KR" sz="1200" dirty="0">
+                <a:solidFill>
+                  <a:schemeClr val="tx1"/>
+                </a:solidFill>
+              </a:rPr>
+              <a:t> as np</a:t>
+            </a:r>
+          </a:p>
+          <a:p>
+            <a:pPr algn="just"/>
+            <a:r>
+              <a:rPr lang="en-US" altLang="ko-KR" sz="1200" dirty="0">
+                <a:solidFill>
+                  <a:schemeClr val="tx1"/>
+                </a:solidFill>
+              </a:rPr>
+              <a:t>import </a:t>
+            </a:r>
+            <a:r>
+              <a:rPr lang="en-US" altLang="ko-KR" sz="1200" dirty="0" err="1">
+                <a:solidFill>
+                  <a:schemeClr val="tx1"/>
+                </a:solidFill>
+              </a:rPr>
+              <a:t>matplotlib.pylab</a:t>
+            </a:r>
+            <a:r>
+              <a:rPr lang="en-US" altLang="ko-KR" sz="1200" dirty="0">
+                <a:solidFill>
+                  <a:schemeClr val="tx1"/>
+                </a:solidFill>
+              </a:rPr>
+              <a:t> as </a:t>
+            </a:r>
+            <a:r>
+              <a:rPr lang="en-US" altLang="ko-KR" sz="1200" dirty="0" err="1">
+                <a:solidFill>
+                  <a:schemeClr val="tx1"/>
+                </a:solidFill>
+              </a:rPr>
+              <a:t>pylab</a:t>
+            </a:r>
+            <a:endParaRPr lang="en-US" altLang="ko-KR" sz="1200" dirty="0">
+              <a:solidFill>
+                <a:schemeClr val="tx1"/>
+              </a:solidFill>
+            </a:endParaRPr>
+          </a:p>
+          <a:p>
+            <a:pPr algn="just"/>
+            <a:r>
+              <a:rPr lang="en-US" altLang="ko-KR" sz="1200" dirty="0">
+                <a:solidFill>
+                  <a:schemeClr val="tx1"/>
+                </a:solidFill>
+              </a:rPr>
+              <a:t>import </a:t>
+            </a:r>
+            <a:r>
+              <a:rPr lang="en-US" altLang="ko-KR" sz="1200" dirty="0" err="1">
+                <a:solidFill>
+                  <a:schemeClr val="tx1"/>
+                </a:solidFill>
+              </a:rPr>
+              <a:t>matplotlib.image</a:t>
+            </a:r>
+            <a:r>
+              <a:rPr lang="en-US" altLang="ko-KR" sz="1200" dirty="0">
+                <a:solidFill>
+                  <a:schemeClr val="tx1"/>
+                </a:solidFill>
+              </a:rPr>
+              <a:t> as </a:t>
+            </a:r>
+            <a:r>
+              <a:rPr lang="en-US" altLang="ko-KR" sz="1200" dirty="0" err="1">
+                <a:solidFill>
+                  <a:schemeClr val="tx1"/>
+                </a:solidFill>
+              </a:rPr>
+              <a:t>mpimg</a:t>
+            </a:r>
+            <a:endParaRPr lang="en-US" altLang="ko-KR" sz="1200" dirty="0">
+              <a:solidFill>
+                <a:schemeClr val="tx1"/>
+              </a:solidFill>
+            </a:endParaRPr>
+          </a:p>
+          <a:p>
+            <a:pPr algn="just"/>
+            <a:endParaRPr lang="en-US" altLang="ko-KR" sz="1200" dirty="0">
+              <a:solidFill>
+                <a:schemeClr val="tx1"/>
+              </a:solidFill>
+            </a:endParaRPr>
+          </a:p>
+          <a:p>
+            <a:pPr algn="just"/>
+            <a:r>
+              <a:rPr lang="en-US" altLang="ko-KR" sz="1200" dirty="0">
+                <a:solidFill>
+                  <a:schemeClr val="tx1"/>
+                </a:solidFill>
+              </a:rPr>
+              <a:t># Normalized histogram</a:t>
+            </a:r>
+            <a:r>
+              <a:rPr lang="ko-KR" altLang="en-US" sz="1200" dirty="0">
+                <a:solidFill>
+                  <a:schemeClr val="tx1"/>
+                </a:solidFill>
+              </a:rPr>
+              <a:t>을 위한 확률 분포 함수</a:t>
+            </a:r>
+          </a:p>
+          <a:p>
+            <a:pPr algn="just"/>
+            <a:r>
+              <a:rPr lang="en-US" altLang="ko-KR" sz="1200" dirty="0">
+                <a:solidFill>
+                  <a:schemeClr val="tx1"/>
+                </a:solidFill>
+              </a:rPr>
+              <a:t>def </a:t>
+            </a:r>
+            <a:r>
+              <a:rPr lang="en-US" altLang="ko-KR" sz="1200" dirty="0" err="1">
+                <a:solidFill>
+                  <a:schemeClr val="tx1"/>
+                </a:solidFill>
+              </a:rPr>
+              <a:t>imhist</a:t>
+            </a:r>
+            <a:r>
+              <a:rPr lang="en-US" altLang="ko-KR" sz="1200" dirty="0">
+                <a:solidFill>
+                  <a:schemeClr val="tx1"/>
+                </a:solidFill>
+              </a:rPr>
+              <a:t>(</a:t>
+            </a:r>
+            <a:r>
+              <a:rPr lang="en-US" altLang="ko-KR" sz="1200" dirty="0" err="1">
+                <a:solidFill>
+                  <a:schemeClr val="tx1"/>
+                </a:solidFill>
+              </a:rPr>
+              <a:t>im</a:t>
+            </a:r>
+            <a:r>
+              <a:rPr lang="en-US" altLang="ko-KR" sz="1200" dirty="0">
+                <a:solidFill>
+                  <a:schemeClr val="tx1"/>
+                </a:solidFill>
+              </a:rPr>
+              <a:t>):</a:t>
+            </a:r>
+          </a:p>
+          <a:p>
+            <a:pPr algn="just"/>
+            <a:r>
+              <a:rPr lang="en-US" altLang="ko-KR" sz="1200" dirty="0">
+                <a:solidFill>
+                  <a:schemeClr val="tx1"/>
+                </a:solidFill>
+              </a:rPr>
+              <a:t>   # </a:t>
+            </a:r>
+            <a:r>
+              <a:rPr lang="ko-KR" altLang="en-US" sz="1200" dirty="0">
+                <a:solidFill>
+                  <a:schemeClr val="tx1"/>
+                </a:solidFill>
+              </a:rPr>
+              <a:t>이미지의 행</a:t>
+            </a:r>
+            <a:r>
+              <a:rPr lang="en-US" altLang="ko-KR" sz="1200" dirty="0">
+                <a:solidFill>
+                  <a:schemeClr val="tx1"/>
+                </a:solidFill>
+              </a:rPr>
+              <a:t>, </a:t>
+            </a:r>
+            <a:r>
+              <a:rPr lang="ko-KR" altLang="en-US" sz="1200" dirty="0">
+                <a:solidFill>
+                  <a:schemeClr val="tx1"/>
+                </a:solidFill>
+              </a:rPr>
+              <a:t>열 </a:t>
+            </a:r>
+            <a:r>
+              <a:rPr lang="ko-KR" altLang="en-US" sz="1200" dirty="0" err="1">
+                <a:solidFill>
+                  <a:schemeClr val="tx1"/>
+                </a:solidFill>
+              </a:rPr>
+              <a:t>크기값</a:t>
+            </a:r>
+            <a:r>
+              <a:rPr lang="ko-KR" altLang="en-US" sz="1200" dirty="0">
+                <a:solidFill>
+                  <a:schemeClr val="tx1"/>
+                </a:solidFill>
+              </a:rPr>
+              <a:t> 저장</a:t>
+            </a:r>
+          </a:p>
+          <a:p>
+            <a:pPr algn="just"/>
+            <a:r>
+              <a:rPr lang="ko-KR" altLang="en-US" sz="1200" dirty="0">
+                <a:solidFill>
+                  <a:schemeClr val="tx1"/>
+                </a:solidFill>
+              </a:rPr>
+              <a:t>	</a:t>
+            </a:r>
+            <a:r>
+              <a:rPr lang="en-US" altLang="ko-KR" sz="1200" dirty="0">
+                <a:solidFill>
+                  <a:schemeClr val="tx1"/>
+                </a:solidFill>
+              </a:rPr>
+              <a:t>m, n = </a:t>
+            </a:r>
+            <a:r>
+              <a:rPr lang="en-US" altLang="ko-KR" sz="1200" dirty="0" err="1">
+                <a:solidFill>
+                  <a:schemeClr val="tx1"/>
+                </a:solidFill>
+              </a:rPr>
+              <a:t>im.shape</a:t>
+            </a:r>
+            <a:endParaRPr lang="en-US" altLang="ko-KR" sz="1200" dirty="0">
+              <a:solidFill>
+                <a:schemeClr val="tx1"/>
+              </a:solidFill>
+            </a:endParaRPr>
+          </a:p>
+          <a:p>
+            <a:pPr algn="just"/>
+            <a:r>
+              <a:rPr lang="en-US" altLang="ko-KR" sz="1200" dirty="0">
+                <a:solidFill>
+                  <a:schemeClr val="tx1"/>
+                </a:solidFill>
+              </a:rPr>
+              <a:t>   # </a:t>
+            </a:r>
+            <a:r>
+              <a:rPr lang="ko-KR" altLang="en-US" sz="1200" dirty="0">
+                <a:solidFill>
+                  <a:schemeClr val="tx1"/>
+                </a:solidFill>
+              </a:rPr>
+              <a:t>연산의 전체 영역 지정</a:t>
+            </a:r>
+          </a:p>
+          <a:p>
+            <a:pPr algn="just"/>
+            <a:r>
+              <a:rPr lang="ko-KR" altLang="en-US" sz="1200" dirty="0">
+                <a:solidFill>
+                  <a:schemeClr val="tx1"/>
+                </a:solidFill>
+              </a:rPr>
+              <a:t>	</a:t>
+            </a:r>
+            <a:r>
+              <a:rPr lang="en-US" altLang="ko-KR" sz="1200" dirty="0">
+                <a:solidFill>
+                  <a:schemeClr val="tx1"/>
+                </a:solidFill>
+              </a:rPr>
+              <a:t>h = [0.0] * 256</a:t>
+            </a:r>
+          </a:p>
+          <a:p>
+            <a:pPr algn="just"/>
+            <a:r>
+              <a:rPr lang="en-US" altLang="ko-KR" sz="1200" dirty="0">
+                <a:solidFill>
+                  <a:schemeClr val="tx1"/>
+                </a:solidFill>
+              </a:rPr>
+              <a:t>   # </a:t>
+            </a:r>
+            <a:r>
+              <a:rPr lang="ko-KR" altLang="en-US" sz="1200" dirty="0">
+                <a:solidFill>
+                  <a:schemeClr val="tx1"/>
+                </a:solidFill>
+              </a:rPr>
+              <a:t>전체 픽셀을 돌며 특정 </a:t>
+            </a:r>
+            <a:r>
+              <a:rPr lang="ko-KR" altLang="en-US" sz="1200" dirty="0" err="1">
+                <a:solidFill>
+                  <a:schemeClr val="tx1"/>
+                </a:solidFill>
+              </a:rPr>
+              <a:t>밝기값</a:t>
+            </a:r>
+            <a:r>
+              <a:rPr lang="en-US" altLang="ko-KR" sz="1200" dirty="0">
+                <a:solidFill>
+                  <a:schemeClr val="tx1"/>
+                </a:solidFill>
+              </a:rPr>
+              <a:t>(</a:t>
+            </a:r>
+            <a:r>
+              <a:rPr lang="en-US" altLang="ko-KR" sz="1200" dirty="0" err="1">
+                <a:solidFill>
+                  <a:schemeClr val="tx1"/>
+                </a:solidFill>
+              </a:rPr>
+              <a:t>rk</a:t>
+            </a:r>
+            <a:r>
+              <a:rPr lang="en-US" altLang="ko-KR" sz="1200" dirty="0">
+                <a:solidFill>
+                  <a:schemeClr val="tx1"/>
                 </a:solidFill>
               </a:rPr>
               <a:t>)</a:t>
             </a:r>
+            <a:r>
+              <a:rPr lang="ko-KR" altLang="en-US" sz="1200" dirty="0">
+                <a:solidFill>
+                  <a:schemeClr val="tx1"/>
+                </a:solidFill>
+              </a:rPr>
+              <a:t>을 갖는 수</a:t>
+            </a:r>
+            <a:r>
+              <a:rPr lang="en-US" altLang="ko-KR" sz="1200" dirty="0">
+                <a:solidFill>
+                  <a:schemeClr val="tx1"/>
+                </a:solidFill>
+              </a:rPr>
+              <a:t>(</a:t>
+            </a:r>
+            <a:r>
+              <a:rPr lang="en-US" altLang="ko-KR" sz="1200" dirty="0" err="1">
+                <a:solidFill>
+                  <a:schemeClr val="tx1"/>
+                </a:solidFill>
+              </a:rPr>
+              <a:t>nk</a:t>
+            </a:r>
+            <a:r>
+              <a:rPr lang="en-US" altLang="ko-KR" sz="1200" dirty="0">
+                <a:solidFill>
+                  <a:schemeClr val="tx1"/>
+                </a:solidFill>
+              </a:rPr>
+              <a:t>)</a:t>
+            </a:r>
+            <a:r>
+              <a:rPr lang="ko-KR" altLang="en-US" sz="1200" dirty="0">
+                <a:solidFill>
+                  <a:schemeClr val="tx1"/>
+                </a:solidFill>
+              </a:rPr>
+              <a:t>를 구하는 과정</a:t>
+            </a:r>
+          </a:p>
+          <a:p>
+            <a:pPr algn="just"/>
+            <a:r>
+              <a:rPr lang="ko-KR" altLang="en-US" sz="1200" dirty="0">
+                <a:solidFill>
+                  <a:schemeClr val="tx1"/>
+                </a:solidFill>
+              </a:rPr>
+              <a:t>	</a:t>
+            </a:r>
+            <a:r>
+              <a:rPr lang="en-US" altLang="ko-KR" sz="1200" dirty="0">
+                <a:solidFill>
+                  <a:schemeClr val="tx1"/>
+                </a:solidFill>
+              </a:rPr>
+              <a:t>for </a:t>
+            </a:r>
+            <a:r>
+              <a:rPr lang="en-US" altLang="ko-KR" sz="1200" dirty="0" err="1">
+                <a:solidFill>
+                  <a:schemeClr val="tx1"/>
+                </a:solidFill>
+              </a:rPr>
+              <a:t>i</a:t>
+            </a:r>
+            <a:r>
+              <a:rPr lang="en-US" altLang="ko-KR" sz="1200" dirty="0">
+                <a:solidFill>
+                  <a:schemeClr val="tx1"/>
+                </a:solidFill>
+              </a:rPr>
+              <a:t> in range(m):</a:t>
+            </a:r>
+          </a:p>
+          <a:p>
+            <a:pPr algn="just"/>
+            <a:r>
+              <a:rPr lang="en-US" altLang="ko-KR" sz="1200" dirty="0">
+                <a:solidFill>
+                  <a:schemeClr val="tx1"/>
+                </a:solidFill>
+              </a:rPr>
+              <a:t>		for j in range(n):</a:t>
+            </a:r>
+          </a:p>
+          <a:p>
+            <a:pPr algn="just"/>
+            <a:r>
+              <a:rPr lang="en-US" altLang="ko-KR" sz="1200" dirty="0">
+                <a:solidFill>
+                  <a:schemeClr val="tx1"/>
+                </a:solidFill>
+              </a:rPr>
+              <a:t>			h[</a:t>
+            </a:r>
+            <a:r>
+              <a:rPr lang="en-US" altLang="ko-KR" sz="1200" dirty="0" err="1">
+                <a:solidFill>
+                  <a:schemeClr val="tx1"/>
+                </a:solidFill>
+              </a:rPr>
+              <a:t>im</a:t>
+            </a:r>
+            <a:r>
+              <a:rPr lang="en-US" altLang="ko-KR" sz="1200" dirty="0">
+                <a:solidFill>
+                  <a:schemeClr val="tx1"/>
+                </a:solidFill>
+              </a:rPr>
+              <a:t>[</a:t>
+            </a:r>
+            <a:r>
+              <a:rPr lang="en-US" altLang="ko-KR" sz="1200" dirty="0" err="1">
+                <a:solidFill>
+                  <a:schemeClr val="tx1"/>
+                </a:solidFill>
+              </a:rPr>
+              <a:t>i</a:t>
+            </a:r>
+            <a:r>
+              <a:rPr lang="en-US" altLang="ko-KR" sz="1200" dirty="0">
+                <a:solidFill>
+                  <a:schemeClr val="tx1"/>
+                </a:solidFill>
+              </a:rPr>
+              <a:t>, j]]+=1 # </a:t>
+            </a:r>
+            <a:r>
+              <a:rPr lang="ko-KR" altLang="en-US" sz="1200" dirty="0" err="1">
+                <a:solidFill>
+                  <a:schemeClr val="tx1"/>
+                </a:solidFill>
+              </a:rPr>
+              <a:t>밝기값을</a:t>
+            </a:r>
+            <a:r>
+              <a:rPr lang="ko-KR" altLang="en-US" sz="1200" dirty="0">
+                <a:solidFill>
+                  <a:schemeClr val="tx1"/>
+                </a:solidFill>
+              </a:rPr>
+              <a:t> 인덱스로 사용해 빈도 값 증가</a:t>
+            </a:r>
+          </a:p>
+          <a:p>
+            <a:pPr algn="just"/>
+            <a:r>
+              <a:rPr lang="ko-KR" altLang="en-US" sz="1200" dirty="0">
+                <a:solidFill>
+                  <a:schemeClr val="tx1"/>
+                </a:solidFill>
+              </a:rPr>
+              <a:t>   </a:t>
+            </a:r>
+            <a:r>
+              <a:rPr lang="en-US" altLang="ko-KR" sz="1200" dirty="0">
+                <a:solidFill>
+                  <a:schemeClr val="tx1"/>
+                </a:solidFill>
+              </a:rPr>
+              <a:t># pr(</a:t>
+            </a:r>
+            <a:r>
+              <a:rPr lang="en-US" altLang="ko-KR" sz="1200" dirty="0" err="1">
+                <a:solidFill>
+                  <a:schemeClr val="tx1"/>
+                </a:solidFill>
+              </a:rPr>
+              <a:t>rk</a:t>
+            </a:r>
+            <a:r>
+              <a:rPr lang="en-US" altLang="ko-KR" sz="1200" dirty="0">
+                <a:solidFill>
+                  <a:schemeClr val="tx1"/>
+                </a:solidFill>
+              </a:rPr>
+              <a:t>) = </a:t>
+            </a:r>
+            <a:r>
+              <a:rPr lang="en-US" altLang="ko-KR" sz="1200" dirty="0" err="1">
+                <a:solidFill>
+                  <a:schemeClr val="tx1"/>
+                </a:solidFill>
+              </a:rPr>
+              <a:t>nk</a:t>
+            </a:r>
+            <a:r>
+              <a:rPr lang="en-US" altLang="ko-KR" sz="1200" dirty="0">
+                <a:solidFill>
+                  <a:schemeClr val="tx1"/>
+                </a:solidFill>
+              </a:rPr>
+              <a:t> / M*N , </a:t>
+            </a:r>
+            <a:r>
+              <a:rPr lang="ko-KR" altLang="en-US" sz="1200" dirty="0">
+                <a:solidFill>
+                  <a:schemeClr val="tx1"/>
+                </a:solidFill>
+              </a:rPr>
+              <a:t>전체 값을 표준화 함으로 </a:t>
+            </a:r>
+            <a:r>
+              <a:rPr lang="en-US" altLang="ko-KR" sz="1200" dirty="0">
+                <a:solidFill>
+                  <a:schemeClr val="tx1"/>
+                </a:solidFill>
+              </a:rPr>
+              <a:t>0~1</a:t>
+            </a:r>
+            <a:r>
+              <a:rPr lang="ko-KR" altLang="en-US" sz="1200" dirty="0">
+                <a:solidFill>
+                  <a:schemeClr val="tx1"/>
+                </a:solidFill>
+              </a:rPr>
+              <a:t>의 값을 갖도록 함</a:t>
+            </a:r>
+          </a:p>
+          <a:p>
+            <a:pPr algn="just"/>
+            <a:r>
+              <a:rPr lang="ko-KR" altLang="en-US" sz="1200" dirty="0">
+                <a:solidFill>
+                  <a:schemeClr val="tx1"/>
+                </a:solidFill>
+              </a:rPr>
+              <a:t>	</a:t>
+            </a:r>
+            <a:r>
+              <a:rPr lang="en-US" altLang="ko-KR" sz="1200" dirty="0">
+                <a:solidFill>
+                  <a:schemeClr val="tx1"/>
+                </a:solidFill>
+              </a:rPr>
+              <a:t>return </a:t>
+            </a:r>
+            <a:r>
+              <a:rPr lang="en-US" altLang="ko-KR" sz="1200" dirty="0" err="1">
+                <a:solidFill>
+                  <a:schemeClr val="tx1"/>
+                </a:solidFill>
+              </a:rPr>
+              <a:t>np.array</a:t>
+            </a:r>
+            <a:r>
+              <a:rPr lang="en-US" altLang="ko-KR" sz="1200" dirty="0">
+                <a:solidFill>
+                  <a:schemeClr val="tx1"/>
+                </a:solidFill>
+              </a:rPr>
+              <a:t>(h)/(m*n)</a:t>
+            </a:r>
+          </a:p>
+          <a:p>
+            <a:pPr algn="just"/>
+            <a:endParaRPr lang="en-US" altLang="ko-KR" sz="1200" dirty="0">
+              <a:solidFill>
+                <a:schemeClr val="tx1"/>
+              </a:solidFill>
+            </a:endParaRPr>
+          </a:p>
+          <a:p>
+            <a:pPr algn="just"/>
+            <a:r>
+              <a:rPr lang="en-US" altLang="ko-KR" sz="1200" dirty="0">
+                <a:solidFill>
+                  <a:schemeClr val="tx1"/>
+                </a:solidFill>
+              </a:rPr>
+              <a:t># </a:t>
+            </a:r>
+            <a:r>
+              <a:rPr lang="ko-KR" altLang="en-US" sz="1200" dirty="0">
+                <a:solidFill>
+                  <a:schemeClr val="tx1"/>
+                </a:solidFill>
+              </a:rPr>
+              <a:t>누적분포함수</a:t>
+            </a:r>
+            <a:r>
+              <a:rPr lang="en-US" altLang="ko-KR" sz="1200" dirty="0">
+                <a:solidFill>
+                  <a:schemeClr val="tx1"/>
+                </a:solidFill>
+              </a:rPr>
+              <a:t>(CDF)</a:t>
+            </a:r>
+            <a:r>
+              <a:rPr lang="ko-KR" altLang="en-US" sz="1200" dirty="0">
+                <a:solidFill>
+                  <a:schemeClr val="tx1"/>
+                </a:solidFill>
+              </a:rPr>
+              <a:t>를 구하는 함수</a:t>
+            </a:r>
+          </a:p>
+          <a:p>
+            <a:pPr algn="just"/>
+            <a:r>
+              <a:rPr lang="en-US" altLang="ko-KR" sz="1200" dirty="0">
+                <a:solidFill>
+                  <a:schemeClr val="tx1"/>
+                </a:solidFill>
+              </a:rPr>
+              <a:t>def </a:t>
+            </a:r>
+            <a:r>
+              <a:rPr lang="en-US" altLang="ko-KR" sz="1200" dirty="0" err="1">
+                <a:solidFill>
+                  <a:schemeClr val="tx1"/>
+                </a:solidFill>
+              </a:rPr>
+              <a:t>cumsum</a:t>
+            </a:r>
+            <a:r>
+              <a:rPr lang="en-US" altLang="ko-KR" sz="1200" dirty="0">
+                <a:solidFill>
+                  <a:schemeClr val="tx1"/>
+                </a:solidFill>
+              </a:rPr>
+              <a:t>(h):</a:t>
+            </a:r>
+          </a:p>
+          <a:p>
+            <a:pPr algn="just"/>
+            <a:r>
+              <a:rPr lang="en-US" altLang="ko-KR" sz="1200" dirty="0">
+                <a:solidFill>
+                  <a:schemeClr val="tx1"/>
+                </a:solidFill>
+              </a:rPr>
+              <a:t>	# </a:t>
+            </a:r>
+            <a:r>
+              <a:rPr lang="ko-KR" altLang="en-US" sz="1200" dirty="0">
+                <a:solidFill>
+                  <a:schemeClr val="tx1"/>
+                </a:solidFill>
+              </a:rPr>
+              <a:t>리스트의 끝까지 확률분포 값을 더해 누적분포합을 반환</a:t>
+            </a:r>
+          </a:p>
+          <a:p>
+            <a:pPr algn="just"/>
+            <a:r>
+              <a:rPr lang="ko-KR" altLang="en-US" sz="1200" dirty="0">
+                <a:solidFill>
+                  <a:schemeClr val="tx1"/>
+                </a:solidFill>
+              </a:rPr>
+              <a:t>	</a:t>
+            </a:r>
+            <a:r>
+              <a:rPr lang="en-US" altLang="ko-KR" sz="1200" dirty="0">
+                <a:solidFill>
+                  <a:schemeClr val="tx1"/>
+                </a:solidFill>
+              </a:rPr>
+              <a:t>return [sum(h[:i+1]) for </a:t>
+            </a:r>
+            <a:r>
+              <a:rPr lang="en-US" altLang="ko-KR" sz="1200" dirty="0" err="1">
+                <a:solidFill>
+                  <a:schemeClr val="tx1"/>
+                </a:solidFill>
+              </a:rPr>
+              <a:t>i</a:t>
+            </a:r>
+            <a:r>
+              <a:rPr lang="en-US" altLang="ko-KR" sz="1200" dirty="0">
+                <a:solidFill>
+                  <a:schemeClr val="tx1"/>
+                </a:solidFill>
+              </a:rPr>
+              <a:t> in range(</a:t>
+            </a:r>
+            <a:r>
+              <a:rPr lang="en-US" altLang="ko-KR" sz="1200" dirty="0" err="1">
+                <a:solidFill>
+                  <a:schemeClr val="tx1"/>
+                </a:solidFill>
+              </a:rPr>
+              <a:t>len</a:t>
+            </a:r>
+            <a:r>
+              <a:rPr lang="en-US" altLang="ko-KR" sz="1200" dirty="0">
+                <a:solidFill>
+                  <a:schemeClr val="tx1"/>
+                </a:solidFill>
+              </a:rPr>
+              <a:t>(h))]</a:t>
+            </a:r>
+          </a:p>
+          <a:p>
+            <a:pPr algn="just"/>
+            <a:endParaRPr lang="en-US" altLang="ko-KR" sz="1200" dirty="0">
+              <a:solidFill>
+                <a:schemeClr val="tx1"/>
+              </a:solidFill>
+            </a:endParaRPr>
+          </a:p>
+          <a:p>
+            <a:pPr algn="just"/>
+            <a:endParaRPr lang="en-US" altLang="ko-KR" sz="1200" dirty="0">
+              <a:solidFill>
+                <a:schemeClr val="tx1"/>
+              </a:solidFill>
+            </a:endParaRPr>
           </a:p>
           <a:p>
             <a:pPr algn="just"/>
             <a:endParaRPr lang="ko-KR" altLang="en-US" sz="1200" dirty="0">
               <a:solidFill>
-                <a:srgbClr val="FF0000"/>
+                <a:schemeClr val="tx1"/>
               </a:solidFill>
             </a:endParaRPr>
           </a:p>
@@ -4420,64 +5122,2246 @@
             <a:r>
               <a:rPr lang="en-US" altLang="ko-KR" sz="1200" dirty="0">
                 <a:solidFill>
-                  <a:srgbClr val="FF0000"/>
-                </a:solidFill>
-              </a:rPr>
-              <a:t>(Python </a:t>
-            </a:r>
-            <a:r>
-              <a:rPr lang="ko-KR" altLang="en-US" sz="1200" dirty="0">
-                <a:solidFill>
-                  <a:srgbClr val="FF0000"/>
-                </a:solidFill>
-              </a:rPr>
-              <a:t>코드를 복사하고</a:t>
-            </a:r>
-            <a:r>
-              <a:rPr lang="en-US" altLang="ko-KR" sz="1200" dirty="0">
-                <a:solidFill>
-                  <a:srgbClr val="FF0000"/>
-                </a:solidFill>
-              </a:rPr>
-              <a:t>,</a:t>
-            </a:r>
-            <a:r>
-              <a:rPr lang="ko-KR" altLang="en-US" sz="1200" dirty="0">
-                <a:solidFill>
-                  <a:srgbClr val="FF0000"/>
-                </a:solidFill>
-              </a:rPr>
-              <a:t> 결과 예제 영상도 함께 첨부합니다</a:t>
-            </a:r>
-            <a:r>
-              <a:rPr lang="en-US" altLang="ko-KR" sz="1200" dirty="0">
-                <a:solidFill>
-                  <a:srgbClr val="FF0000"/>
-                </a:solidFill>
-              </a:rPr>
-              <a:t>,</a:t>
-            </a:r>
-            <a:r>
-              <a:rPr lang="ko-KR" altLang="en-US" sz="1200" dirty="0">
-                <a:solidFill>
-                  <a:srgbClr val="FF0000"/>
-                </a:solidFill>
-              </a:rPr>
-              <a:t> 부족 시 페이지를 추가합니다</a:t>
-            </a:r>
-            <a:r>
-              <a:rPr lang="en-US" altLang="ko-KR" sz="1200" dirty="0">
-                <a:solidFill>
-                  <a:srgbClr val="FF0000"/>
+                  <a:schemeClr val="tx1"/>
+                </a:solidFill>
+              </a:rPr>
+              <a:t># </a:t>
+            </a:r>
+            <a:r>
+              <a:rPr lang="ko-KR" altLang="en-US" sz="1200" dirty="0">
+                <a:solidFill>
+                  <a:schemeClr val="tx1"/>
+                </a:solidFill>
+              </a:rPr>
+              <a:t>히스토그램 </a:t>
+            </a:r>
+            <a:r>
+              <a:rPr lang="ko-KR" altLang="en-US" sz="1200" dirty="0" err="1">
+                <a:solidFill>
+                  <a:schemeClr val="tx1"/>
+                </a:solidFill>
+              </a:rPr>
+              <a:t>평활화</a:t>
+            </a:r>
+            <a:r>
+              <a:rPr lang="ko-KR" altLang="en-US" sz="1200" dirty="0">
+                <a:solidFill>
+                  <a:schemeClr val="tx1"/>
+                </a:solidFill>
+              </a:rPr>
+              <a:t> 함수</a:t>
+            </a:r>
+          </a:p>
+          <a:p>
+            <a:pPr algn="just"/>
+            <a:r>
+              <a:rPr lang="en-US" altLang="ko-KR" sz="1200" dirty="0">
+                <a:solidFill>
+                  <a:schemeClr val="tx1"/>
+                </a:solidFill>
+              </a:rPr>
+              <a:t>def </a:t>
+            </a:r>
+            <a:r>
+              <a:rPr lang="en-US" altLang="ko-KR" sz="1200" dirty="0" err="1">
+                <a:solidFill>
+                  <a:schemeClr val="tx1"/>
+                </a:solidFill>
+              </a:rPr>
+              <a:t>histeq</a:t>
+            </a:r>
+            <a:r>
+              <a:rPr lang="en-US" altLang="ko-KR" sz="1200" dirty="0">
+                <a:solidFill>
+                  <a:schemeClr val="tx1"/>
+                </a:solidFill>
+              </a:rPr>
+              <a:t>(</a:t>
+            </a:r>
+            <a:r>
+              <a:rPr lang="en-US" altLang="ko-KR" sz="1200" dirty="0" err="1">
+                <a:solidFill>
+                  <a:schemeClr val="tx1"/>
+                </a:solidFill>
+              </a:rPr>
+              <a:t>im</a:t>
+            </a:r>
+            <a:r>
+              <a:rPr lang="en-US" altLang="ko-KR" sz="1200" dirty="0">
+                <a:solidFill>
+                  <a:schemeClr val="tx1"/>
+                </a:solidFill>
+              </a:rPr>
+              <a:t>):</a:t>
+            </a:r>
+          </a:p>
+          <a:p>
+            <a:pPr algn="just"/>
+            <a:r>
+              <a:rPr lang="en-US" altLang="ko-KR" sz="1200" dirty="0">
+                <a:solidFill>
+                  <a:schemeClr val="tx1"/>
+                </a:solidFill>
+              </a:rPr>
+              <a:t>	# </a:t>
+            </a:r>
+            <a:r>
+              <a:rPr lang="ko-KR" altLang="en-US" sz="1200" dirty="0">
+                <a:solidFill>
+                  <a:schemeClr val="tx1"/>
+                </a:solidFill>
+              </a:rPr>
+              <a:t>히스토그램 계산을 통한 </a:t>
+            </a:r>
+            <a:r>
+              <a:rPr lang="en-US" altLang="ko-KR" sz="1200" dirty="0">
+                <a:solidFill>
+                  <a:schemeClr val="tx1"/>
+                </a:solidFill>
+              </a:rPr>
+              <a:t>PDF</a:t>
+            </a:r>
+            <a:r>
+              <a:rPr lang="ko-KR" altLang="en-US" sz="1200" dirty="0">
+                <a:solidFill>
+                  <a:schemeClr val="tx1"/>
+                </a:solidFill>
+              </a:rPr>
+              <a:t>값 생성</a:t>
+            </a:r>
+          </a:p>
+          <a:p>
+            <a:pPr algn="just"/>
+            <a:r>
+              <a:rPr lang="ko-KR" altLang="en-US" sz="1200" dirty="0">
+                <a:solidFill>
+                  <a:schemeClr val="tx1"/>
+                </a:solidFill>
+              </a:rPr>
+              <a:t>	</a:t>
+            </a:r>
+            <a:r>
+              <a:rPr lang="en-US" altLang="ko-KR" sz="1200" dirty="0">
+                <a:solidFill>
+                  <a:schemeClr val="tx1"/>
+                </a:solidFill>
+              </a:rPr>
+              <a:t>h = </a:t>
+            </a:r>
+            <a:r>
+              <a:rPr lang="en-US" altLang="ko-KR" sz="1200" dirty="0" err="1">
+                <a:solidFill>
+                  <a:schemeClr val="tx1"/>
+                </a:solidFill>
+              </a:rPr>
+              <a:t>imhist</a:t>
+            </a:r>
+            <a:r>
+              <a:rPr lang="en-US" altLang="ko-KR" sz="1200" dirty="0">
+                <a:solidFill>
+                  <a:schemeClr val="tx1"/>
+                </a:solidFill>
+              </a:rPr>
+              <a:t>(</a:t>
+            </a:r>
+            <a:r>
+              <a:rPr lang="en-US" altLang="ko-KR" sz="1200" dirty="0" err="1">
+                <a:solidFill>
+                  <a:schemeClr val="tx1"/>
+                </a:solidFill>
+              </a:rPr>
+              <a:t>im</a:t>
+            </a:r>
+            <a:r>
+              <a:rPr lang="en-US" altLang="ko-KR" sz="1200" dirty="0">
+                <a:solidFill>
+                  <a:schemeClr val="tx1"/>
                 </a:solidFill>
               </a:rPr>
               <a:t>)</a:t>
             </a:r>
+          </a:p>
+          <a:p>
+            <a:pPr algn="just"/>
+            <a:r>
+              <a:rPr lang="en-US" altLang="ko-KR" sz="1200" dirty="0">
+                <a:solidFill>
+                  <a:schemeClr val="tx1"/>
+                </a:solidFill>
+              </a:rPr>
+              <a:t>   # </a:t>
+            </a:r>
+            <a:r>
+              <a:rPr lang="ko-KR" altLang="en-US" sz="1200" dirty="0">
+                <a:solidFill>
+                  <a:schemeClr val="tx1"/>
+                </a:solidFill>
+              </a:rPr>
+              <a:t>누적 분포함수</a:t>
+            </a:r>
+            <a:r>
+              <a:rPr lang="en-US" altLang="ko-KR" sz="1200" dirty="0">
+                <a:solidFill>
+                  <a:schemeClr val="tx1"/>
+                </a:solidFill>
+              </a:rPr>
+              <a:t>(CDF)</a:t>
+            </a:r>
+            <a:r>
+              <a:rPr lang="ko-KR" altLang="en-US" sz="1200" dirty="0">
+                <a:solidFill>
+                  <a:schemeClr val="tx1"/>
+                </a:solidFill>
+              </a:rPr>
+              <a:t>를 배열에 담음</a:t>
+            </a:r>
+          </a:p>
+          <a:p>
+            <a:pPr algn="just"/>
+            <a:r>
+              <a:rPr lang="ko-KR" altLang="en-US" sz="1200" dirty="0">
+                <a:solidFill>
+                  <a:schemeClr val="tx1"/>
+                </a:solidFill>
+              </a:rPr>
+              <a:t>	</a:t>
+            </a:r>
+            <a:r>
+              <a:rPr lang="en-US" altLang="ko-KR" sz="1200" dirty="0" err="1">
+                <a:solidFill>
+                  <a:schemeClr val="tx1"/>
+                </a:solidFill>
+              </a:rPr>
+              <a:t>cdf</a:t>
+            </a:r>
+            <a:r>
+              <a:rPr lang="en-US" altLang="ko-KR" sz="1200" dirty="0">
+                <a:solidFill>
+                  <a:schemeClr val="tx1"/>
+                </a:solidFill>
+              </a:rPr>
+              <a:t> = </a:t>
+            </a:r>
+            <a:r>
+              <a:rPr lang="en-US" altLang="ko-KR" sz="1200" dirty="0" err="1">
+                <a:solidFill>
+                  <a:schemeClr val="tx1"/>
+                </a:solidFill>
+              </a:rPr>
+              <a:t>np.array</a:t>
+            </a:r>
+            <a:r>
+              <a:rPr lang="en-US" altLang="ko-KR" sz="1200" dirty="0">
+                <a:solidFill>
+                  <a:schemeClr val="tx1"/>
+                </a:solidFill>
+              </a:rPr>
+              <a:t>(</a:t>
+            </a:r>
+            <a:r>
+              <a:rPr lang="en-US" altLang="ko-KR" sz="1200" dirty="0" err="1">
+                <a:solidFill>
+                  <a:schemeClr val="tx1"/>
+                </a:solidFill>
+              </a:rPr>
+              <a:t>cumsum</a:t>
+            </a:r>
+            <a:r>
+              <a:rPr lang="en-US" altLang="ko-KR" sz="1200" dirty="0">
+                <a:solidFill>
+                  <a:schemeClr val="tx1"/>
+                </a:solidFill>
+              </a:rPr>
+              <a:t>(h))</a:t>
+            </a:r>
+          </a:p>
+          <a:p>
+            <a:pPr algn="just"/>
+            <a:r>
+              <a:rPr lang="en-US" altLang="ko-KR" sz="1200" dirty="0">
+                <a:solidFill>
+                  <a:schemeClr val="tx1"/>
+                </a:solidFill>
+              </a:rPr>
+              <a:t>   # </a:t>
+            </a:r>
+            <a:r>
+              <a:rPr lang="ko-KR" altLang="en-US" sz="1200" dirty="0">
+                <a:solidFill>
+                  <a:schemeClr val="tx1"/>
+                </a:solidFill>
+              </a:rPr>
+              <a:t>수식</a:t>
+            </a:r>
+            <a:r>
+              <a:rPr lang="en-US" altLang="ko-KR" sz="1200" dirty="0">
+                <a:solidFill>
+                  <a:schemeClr val="tx1"/>
+                </a:solidFill>
+              </a:rPr>
+              <a:t>(T(r))</a:t>
+            </a:r>
+            <a:r>
+              <a:rPr lang="ko-KR" altLang="en-US" sz="1200" dirty="0">
+                <a:solidFill>
+                  <a:schemeClr val="tx1"/>
+                </a:solidFill>
+              </a:rPr>
+              <a:t>을 통해 히스토그램 변환 값</a:t>
+            </a:r>
+            <a:r>
+              <a:rPr lang="en-US" altLang="ko-KR" sz="1200" dirty="0">
+                <a:solidFill>
+                  <a:schemeClr val="tx1"/>
+                </a:solidFill>
+              </a:rPr>
+              <a:t>(s)</a:t>
+            </a:r>
+            <a:r>
+              <a:rPr lang="ko-KR" altLang="en-US" sz="1200" dirty="0">
+                <a:solidFill>
+                  <a:schemeClr val="tx1"/>
+                </a:solidFill>
+              </a:rPr>
+              <a:t>을 찾는다</a:t>
+            </a:r>
+            <a:r>
+              <a:rPr lang="en-US" altLang="ko-KR" sz="1200" dirty="0">
+                <a:solidFill>
+                  <a:schemeClr val="tx1"/>
+                </a:solidFill>
+              </a:rPr>
+              <a:t>. </a:t>
+            </a:r>
+          </a:p>
+          <a:p>
+            <a:pPr algn="just"/>
+            <a:r>
+              <a:rPr lang="en-US" altLang="ko-KR" sz="1200" dirty="0">
+                <a:solidFill>
+                  <a:schemeClr val="tx1"/>
+                </a:solidFill>
+              </a:rPr>
+              <a:t>   # </a:t>
+            </a:r>
+            <a:r>
+              <a:rPr lang="ko-KR" altLang="en-US" sz="1200" dirty="0">
+                <a:solidFill>
+                  <a:schemeClr val="tx1"/>
+                </a:solidFill>
+              </a:rPr>
+              <a:t>최근접 상수로 변환하기 위한 정수화도  포함한다</a:t>
+            </a:r>
+            <a:r>
+              <a:rPr lang="en-US" altLang="ko-KR" sz="1200" dirty="0">
+                <a:solidFill>
+                  <a:schemeClr val="tx1"/>
+                </a:solidFill>
+              </a:rPr>
+              <a:t>.</a:t>
+            </a:r>
+          </a:p>
+          <a:p>
+            <a:pPr algn="just"/>
+            <a:r>
+              <a:rPr lang="en-US" altLang="ko-KR" sz="1200" dirty="0">
+                <a:solidFill>
+                  <a:schemeClr val="tx1"/>
+                </a:solidFill>
+              </a:rPr>
+              <a:t>	</a:t>
+            </a:r>
+            <a:r>
+              <a:rPr lang="en-US" altLang="ko-KR" sz="1200" dirty="0" err="1">
+                <a:solidFill>
+                  <a:schemeClr val="tx1"/>
+                </a:solidFill>
+              </a:rPr>
+              <a:t>sk</a:t>
+            </a:r>
+            <a:r>
+              <a:rPr lang="en-US" altLang="ko-KR" sz="1200" dirty="0">
+                <a:solidFill>
+                  <a:schemeClr val="tx1"/>
+                </a:solidFill>
+              </a:rPr>
+              <a:t> = np.uint8(255 * </a:t>
+            </a:r>
+            <a:r>
+              <a:rPr lang="en-US" altLang="ko-KR" sz="1200" dirty="0" err="1">
+                <a:solidFill>
+                  <a:schemeClr val="tx1"/>
+                </a:solidFill>
+              </a:rPr>
+              <a:t>cdf</a:t>
+            </a:r>
+            <a:r>
+              <a:rPr lang="en-US" altLang="ko-KR" sz="1200" dirty="0">
+                <a:solidFill>
+                  <a:schemeClr val="tx1"/>
+                </a:solidFill>
+              </a:rPr>
+              <a:t>)</a:t>
+            </a:r>
+          </a:p>
+          <a:p>
+            <a:pPr algn="just"/>
+            <a:r>
+              <a:rPr lang="en-US" altLang="ko-KR" sz="1200" dirty="0">
+                <a:solidFill>
+                  <a:schemeClr val="tx1"/>
+                </a:solidFill>
+              </a:rPr>
+              <a:t>   # PDF </a:t>
+            </a:r>
+            <a:r>
+              <a:rPr lang="ko-KR" altLang="en-US" sz="1200" dirty="0">
+                <a:solidFill>
+                  <a:schemeClr val="tx1"/>
+                </a:solidFill>
+              </a:rPr>
+              <a:t>행렬  크기를 </a:t>
+            </a:r>
+            <a:r>
+              <a:rPr lang="en-US" altLang="ko-KR" sz="1200" dirty="0">
+                <a:solidFill>
+                  <a:schemeClr val="tx1"/>
+                </a:solidFill>
+              </a:rPr>
+              <a:t>s1, s2</a:t>
+            </a:r>
+            <a:r>
+              <a:rPr lang="ko-KR" altLang="en-US" sz="1200" dirty="0">
+                <a:solidFill>
+                  <a:schemeClr val="tx1"/>
+                </a:solidFill>
+              </a:rPr>
+              <a:t>에 담는다</a:t>
+            </a:r>
+            <a:r>
+              <a:rPr lang="en-US" altLang="ko-KR" sz="1200" dirty="0">
+                <a:solidFill>
+                  <a:schemeClr val="tx1"/>
+                </a:solidFill>
+              </a:rPr>
+              <a:t>.</a:t>
+            </a:r>
+          </a:p>
+          <a:p>
+            <a:pPr algn="just"/>
+            <a:r>
+              <a:rPr lang="en-US" altLang="ko-KR" sz="1200" dirty="0">
+                <a:solidFill>
+                  <a:schemeClr val="tx1"/>
+                </a:solidFill>
+              </a:rPr>
+              <a:t>	s1, s2 = </a:t>
+            </a:r>
+            <a:r>
+              <a:rPr lang="en-US" altLang="ko-KR" sz="1200" dirty="0" err="1">
+                <a:solidFill>
+                  <a:schemeClr val="tx1"/>
+                </a:solidFill>
+              </a:rPr>
+              <a:t>im.shape</a:t>
+            </a:r>
+            <a:endParaRPr lang="en-US" altLang="ko-KR" sz="1200" dirty="0">
+              <a:solidFill>
+                <a:schemeClr val="tx1"/>
+              </a:solidFill>
+            </a:endParaRPr>
+          </a:p>
+          <a:p>
+            <a:pPr algn="just"/>
+            <a:r>
+              <a:rPr lang="en-US" altLang="ko-KR" sz="1200" dirty="0">
+                <a:solidFill>
+                  <a:schemeClr val="tx1"/>
+                </a:solidFill>
+              </a:rPr>
+              <a:t>   # 0</a:t>
+            </a:r>
+            <a:r>
+              <a:rPr lang="ko-KR" altLang="en-US" sz="1200" dirty="0">
+                <a:solidFill>
+                  <a:schemeClr val="tx1"/>
+                </a:solidFill>
+              </a:rPr>
+              <a:t>으로 가득 채운 배열 생성</a:t>
+            </a:r>
+          </a:p>
+          <a:p>
+            <a:pPr algn="just"/>
+            <a:r>
+              <a:rPr lang="ko-KR" altLang="en-US" sz="1200" dirty="0">
+                <a:solidFill>
+                  <a:schemeClr val="tx1"/>
+                </a:solidFill>
+              </a:rPr>
+              <a:t>	</a:t>
+            </a:r>
+            <a:r>
+              <a:rPr lang="en-US" altLang="ko-KR" sz="1200" dirty="0">
+                <a:solidFill>
+                  <a:schemeClr val="tx1"/>
+                </a:solidFill>
+              </a:rPr>
+              <a:t>Y = </a:t>
+            </a:r>
+            <a:r>
+              <a:rPr lang="en-US" altLang="ko-KR" sz="1200" dirty="0" err="1">
+                <a:solidFill>
+                  <a:schemeClr val="tx1"/>
+                </a:solidFill>
+              </a:rPr>
+              <a:t>np.zeros_like</a:t>
+            </a:r>
+            <a:r>
+              <a:rPr lang="en-US" altLang="ko-KR" sz="1200" dirty="0">
+                <a:solidFill>
+                  <a:schemeClr val="tx1"/>
+                </a:solidFill>
+              </a:rPr>
+              <a:t>(</a:t>
+            </a:r>
+            <a:r>
+              <a:rPr lang="en-US" altLang="ko-KR" sz="1200" dirty="0" err="1">
+                <a:solidFill>
+                  <a:schemeClr val="tx1"/>
+                </a:solidFill>
+              </a:rPr>
+              <a:t>im</a:t>
+            </a:r>
+            <a:r>
+              <a:rPr lang="en-US" altLang="ko-KR" sz="1200" dirty="0">
+                <a:solidFill>
+                  <a:schemeClr val="tx1"/>
+                </a:solidFill>
+              </a:rPr>
+              <a:t>)</a:t>
+            </a:r>
+          </a:p>
+          <a:p>
+            <a:pPr algn="just"/>
+            <a:r>
+              <a:rPr lang="en-US" altLang="ko-KR" sz="1200" dirty="0">
+                <a:solidFill>
+                  <a:schemeClr val="tx1"/>
+                </a:solidFill>
+              </a:rPr>
+              <a:t>	# </a:t>
+            </a:r>
+            <a:r>
+              <a:rPr lang="ko-KR" altLang="en-US" sz="1200" dirty="0">
+                <a:solidFill>
+                  <a:schemeClr val="tx1"/>
+                </a:solidFill>
+              </a:rPr>
+              <a:t>전체 픽셀을 돌며 </a:t>
+            </a:r>
+            <a:r>
+              <a:rPr lang="en-US" altLang="ko-KR" sz="1200" dirty="0">
+                <a:solidFill>
+                  <a:schemeClr val="tx1"/>
+                </a:solidFill>
+              </a:rPr>
+              <a:t>CDF</a:t>
+            </a:r>
+            <a:r>
+              <a:rPr lang="ko-KR" altLang="en-US" sz="1200" dirty="0">
+                <a:solidFill>
+                  <a:schemeClr val="tx1"/>
+                </a:solidFill>
+              </a:rPr>
+              <a:t>를 이용한 히스토그램 </a:t>
+            </a:r>
+            <a:r>
+              <a:rPr lang="ko-KR" altLang="en-US" sz="1200" dirty="0" err="1">
+                <a:solidFill>
+                  <a:schemeClr val="tx1"/>
+                </a:solidFill>
+              </a:rPr>
+              <a:t>매칭값</a:t>
+            </a:r>
+            <a:r>
+              <a:rPr lang="ko-KR" altLang="en-US" sz="1200" dirty="0">
+                <a:solidFill>
+                  <a:schemeClr val="tx1"/>
+                </a:solidFill>
+              </a:rPr>
+              <a:t> 저장</a:t>
+            </a:r>
+          </a:p>
+          <a:p>
+            <a:pPr algn="just"/>
+            <a:r>
+              <a:rPr lang="ko-KR" altLang="en-US" sz="1200" dirty="0">
+                <a:solidFill>
+                  <a:schemeClr val="tx1"/>
+                </a:solidFill>
+              </a:rPr>
+              <a:t>	</a:t>
+            </a:r>
+            <a:r>
+              <a:rPr lang="en-US" altLang="ko-KR" sz="1200" dirty="0">
+                <a:solidFill>
+                  <a:schemeClr val="tx1"/>
+                </a:solidFill>
+              </a:rPr>
+              <a:t>for </a:t>
+            </a:r>
+            <a:r>
+              <a:rPr lang="en-US" altLang="ko-KR" sz="1200" dirty="0" err="1">
+                <a:solidFill>
+                  <a:schemeClr val="tx1"/>
+                </a:solidFill>
+              </a:rPr>
+              <a:t>i</a:t>
+            </a:r>
+            <a:r>
+              <a:rPr lang="en-US" altLang="ko-KR" sz="1200" dirty="0">
+                <a:solidFill>
+                  <a:schemeClr val="tx1"/>
+                </a:solidFill>
+              </a:rPr>
+              <a:t> in range(0, s1):</a:t>
+            </a:r>
+          </a:p>
+          <a:p>
+            <a:pPr algn="just"/>
+            <a:r>
+              <a:rPr lang="en-US" altLang="ko-KR" sz="1200" dirty="0">
+                <a:solidFill>
+                  <a:schemeClr val="tx1"/>
+                </a:solidFill>
+              </a:rPr>
+              <a:t>		for j in range(0, s2):</a:t>
+            </a:r>
+          </a:p>
+          <a:p>
+            <a:pPr algn="just"/>
+            <a:r>
+              <a:rPr lang="en-US" altLang="ko-KR" sz="1200" dirty="0">
+                <a:solidFill>
+                  <a:schemeClr val="tx1"/>
+                </a:solidFill>
+              </a:rPr>
+              <a:t>          # </a:t>
+            </a:r>
+            <a:r>
+              <a:rPr lang="ko-KR" altLang="en-US" sz="1200" dirty="0" err="1">
+                <a:solidFill>
+                  <a:schemeClr val="tx1"/>
+                </a:solidFill>
+              </a:rPr>
+              <a:t>평활화</a:t>
+            </a:r>
+            <a:r>
+              <a:rPr lang="ko-KR" altLang="en-US" sz="1200" dirty="0">
+                <a:solidFill>
+                  <a:schemeClr val="tx1"/>
+                </a:solidFill>
+              </a:rPr>
+              <a:t> 한 값과 </a:t>
+            </a:r>
+            <a:r>
+              <a:rPr lang="ko-KR" altLang="en-US" sz="1200" dirty="0" err="1">
+                <a:solidFill>
+                  <a:schemeClr val="tx1"/>
+                </a:solidFill>
+              </a:rPr>
+              <a:t>원본이미지가</a:t>
+            </a:r>
+            <a:r>
+              <a:rPr lang="ko-KR" altLang="en-US" sz="1200" dirty="0">
+                <a:solidFill>
+                  <a:schemeClr val="tx1"/>
+                </a:solidFill>
+              </a:rPr>
+              <a:t> 매칭되는 지점을 저장</a:t>
+            </a:r>
+          </a:p>
+          <a:p>
+            <a:pPr algn="just"/>
+            <a:r>
+              <a:rPr lang="ko-KR" altLang="en-US" sz="1200" dirty="0">
+                <a:solidFill>
+                  <a:schemeClr val="tx1"/>
+                </a:solidFill>
+              </a:rPr>
+              <a:t>			</a:t>
+            </a:r>
+            <a:r>
+              <a:rPr lang="en-US" altLang="ko-KR" sz="1200" dirty="0">
+                <a:solidFill>
+                  <a:schemeClr val="tx1"/>
+                </a:solidFill>
+              </a:rPr>
+              <a:t>Y[</a:t>
+            </a:r>
+            <a:r>
+              <a:rPr lang="en-US" altLang="ko-KR" sz="1200" dirty="0" err="1">
+                <a:solidFill>
+                  <a:schemeClr val="tx1"/>
+                </a:solidFill>
+              </a:rPr>
+              <a:t>i</a:t>
+            </a:r>
+            <a:r>
+              <a:rPr lang="en-US" altLang="ko-KR" sz="1200" dirty="0">
+                <a:solidFill>
+                  <a:schemeClr val="tx1"/>
+                </a:solidFill>
+              </a:rPr>
+              <a:t>, j] = </a:t>
+            </a:r>
+            <a:r>
+              <a:rPr lang="en-US" altLang="ko-KR" sz="1200" dirty="0" err="1">
+                <a:solidFill>
+                  <a:schemeClr val="tx1"/>
+                </a:solidFill>
+              </a:rPr>
+              <a:t>sk</a:t>
+            </a:r>
+            <a:r>
+              <a:rPr lang="en-US" altLang="ko-KR" sz="1200" dirty="0">
+                <a:solidFill>
+                  <a:schemeClr val="tx1"/>
+                </a:solidFill>
+              </a:rPr>
+              <a:t>[</a:t>
+            </a:r>
+            <a:r>
+              <a:rPr lang="en-US" altLang="ko-KR" sz="1200" dirty="0" err="1">
+                <a:solidFill>
+                  <a:schemeClr val="tx1"/>
+                </a:solidFill>
+              </a:rPr>
+              <a:t>im</a:t>
+            </a:r>
+            <a:r>
+              <a:rPr lang="en-US" altLang="ko-KR" sz="1200" dirty="0">
+                <a:solidFill>
+                  <a:schemeClr val="tx1"/>
+                </a:solidFill>
+              </a:rPr>
+              <a:t>[</a:t>
+            </a:r>
+            <a:r>
+              <a:rPr lang="en-US" altLang="ko-KR" sz="1200" dirty="0" err="1">
+                <a:solidFill>
+                  <a:schemeClr val="tx1"/>
+                </a:solidFill>
+              </a:rPr>
+              <a:t>i</a:t>
+            </a:r>
+            <a:r>
+              <a:rPr lang="en-US" altLang="ko-KR" sz="1200" dirty="0">
+                <a:solidFill>
+                  <a:schemeClr val="tx1"/>
+                </a:solidFill>
+              </a:rPr>
+              <a:t>, j]] # </a:t>
+            </a:r>
+          </a:p>
+          <a:p>
+            <a:pPr algn="just"/>
+            <a:r>
+              <a:rPr lang="en-US" altLang="ko-KR" sz="1200" dirty="0">
+                <a:solidFill>
+                  <a:schemeClr val="tx1"/>
+                </a:solidFill>
+              </a:rPr>
+              <a:t>   # </a:t>
+            </a:r>
+            <a:r>
+              <a:rPr lang="ko-KR" altLang="en-US" sz="1200" dirty="0" err="1">
+                <a:solidFill>
+                  <a:schemeClr val="tx1"/>
+                </a:solidFill>
+              </a:rPr>
+              <a:t>변환값을</a:t>
+            </a:r>
+            <a:r>
+              <a:rPr lang="ko-KR" altLang="en-US" sz="1200" dirty="0">
+                <a:solidFill>
+                  <a:schemeClr val="tx1"/>
+                </a:solidFill>
+              </a:rPr>
+              <a:t> 적용한 히스토그램을 </a:t>
+            </a:r>
+            <a:r>
+              <a:rPr lang="en-US" altLang="ko-KR" sz="1200" dirty="0">
+                <a:solidFill>
+                  <a:schemeClr val="tx1"/>
+                </a:solidFill>
+              </a:rPr>
+              <a:t>H</a:t>
+            </a:r>
+            <a:r>
+              <a:rPr lang="ko-KR" altLang="en-US" sz="1200" dirty="0">
+                <a:solidFill>
+                  <a:schemeClr val="tx1"/>
+                </a:solidFill>
+              </a:rPr>
+              <a:t>에 저장한다</a:t>
+            </a:r>
+          </a:p>
+          <a:p>
+            <a:pPr algn="just"/>
+            <a:r>
+              <a:rPr lang="ko-KR" altLang="en-US" sz="1200" dirty="0">
+                <a:solidFill>
+                  <a:schemeClr val="tx1"/>
+                </a:solidFill>
+              </a:rPr>
+              <a:t>	</a:t>
+            </a:r>
+            <a:r>
+              <a:rPr lang="en-US" altLang="ko-KR" sz="1200" dirty="0">
+                <a:solidFill>
+                  <a:schemeClr val="tx1"/>
+                </a:solidFill>
+              </a:rPr>
+              <a:t>H = </a:t>
+            </a:r>
+            <a:r>
+              <a:rPr lang="en-US" altLang="ko-KR" sz="1200" dirty="0" err="1">
+                <a:solidFill>
+                  <a:schemeClr val="tx1"/>
+                </a:solidFill>
+              </a:rPr>
+              <a:t>imhist</a:t>
+            </a:r>
+            <a:r>
+              <a:rPr lang="en-US" altLang="ko-KR" sz="1200" dirty="0">
+                <a:solidFill>
+                  <a:schemeClr val="tx1"/>
+                </a:solidFill>
+              </a:rPr>
+              <a:t>(Y)</a:t>
+            </a:r>
+          </a:p>
+          <a:p>
+            <a:pPr algn="just"/>
+            <a:r>
+              <a:rPr lang="en-US" altLang="ko-KR" sz="1200" dirty="0">
+                <a:solidFill>
+                  <a:schemeClr val="tx1"/>
+                </a:solidFill>
+              </a:rPr>
+              <a:t>   # </a:t>
+            </a:r>
+            <a:r>
+              <a:rPr lang="ko-KR" altLang="en-US" sz="1200" dirty="0">
+                <a:solidFill>
+                  <a:schemeClr val="tx1"/>
+                </a:solidFill>
+              </a:rPr>
+              <a:t>변환 이미지</a:t>
+            </a:r>
+            <a:r>
+              <a:rPr lang="en-US" altLang="ko-KR" sz="1200" dirty="0">
+                <a:solidFill>
+                  <a:schemeClr val="tx1"/>
+                </a:solidFill>
+              </a:rPr>
+              <a:t>, </a:t>
+            </a:r>
+            <a:r>
+              <a:rPr lang="ko-KR" altLang="en-US" sz="1200" dirty="0">
+                <a:solidFill>
+                  <a:schemeClr val="tx1"/>
+                </a:solidFill>
+              </a:rPr>
+              <a:t>원본 히스토그램</a:t>
+            </a:r>
+            <a:r>
+              <a:rPr lang="en-US" altLang="ko-KR" sz="1200" dirty="0">
+                <a:solidFill>
+                  <a:schemeClr val="tx1"/>
+                </a:solidFill>
+              </a:rPr>
+              <a:t>, </a:t>
+            </a:r>
+            <a:r>
+              <a:rPr lang="ko-KR" altLang="en-US" sz="1200" dirty="0">
+                <a:solidFill>
+                  <a:schemeClr val="tx1"/>
+                </a:solidFill>
+              </a:rPr>
+              <a:t>변환 히스토그램</a:t>
+            </a:r>
+            <a:r>
+              <a:rPr lang="en-US" altLang="ko-KR" sz="1200" dirty="0">
+                <a:solidFill>
+                  <a:schemeClr val="tx1"/>
+                </a:solidFill>
+              </a:rPr>
+              <a:t>, </a:t>
+            </a:r>
+            <a:r>
+              <a:rPr lang="ko-KR" altLang="en-US" sz="1200" dirty="0">
+                <a:solidFill>
+                  <a:schemeClr val="tx1"/>
+                </a:solidFill>
+              </a:rPr>
+              <a:t>변환함수를 반환한다</a:t>
+            </a:r>
+            <a:r>
+              <a:rPr lang="en-US" altLang="ko-KR" sz="1200" dirty="0">
+                <a:solidFill>
+                  <a:schemeClr val="tx1"/>
+                </a:solidFill>
+              </a:rPr>
+              <a:t>.</a:t>
+            </a:r>
+          </a:p>
+          <a:p>
+            <a:pPr algn="just"/>
+            <a:r>
+              <a:rPr lang="en-US" altLang="ko-KR" sz="1200" dirty="0">
+                <a:solidFill>
+                  <a:schemeClr val="tx1"/>
+                </a:solidFill>
+              </a:rPr>
+              <a:t>	return Y , h, H, </a:t>
+            </a:r>
+            <a:r>
+              <a:rPr lang="en-US" altLang="ko-KR" sz="1200" dirty="0" err="1">
+                <a:solidFill>
+                  <a:schemeClr val="tx1"/>
+                </a:solidFill>
+              </a:rPr>
+              <a:t>sk</a:t>
+            </a:r>
+            <a:endParaRPr lang="en-US" altLang="ko-KR" sz="1200" dirty="0">
+              <a:solidFill>
+                <a:schemeClr val="tx1"/>
+              </a:solidFill>
+            </a:endParaRPr>
+          </a:p>
+          <a:p>
+            <a:pPr algn="just"/>
+            <a:r>
+              <a:rPr lang="en-US" altLang="ko-KR" sz="1200" dirty="0">
+                <a:solidFill>
+                  <a:schemeClr val="tx1"/>
+                </a:solidFill>
+              </a:rPr>
+              <a:t>  </a:t>
+            </a:r>
+          </a:p>
+          <a:p>
+            <a:pPr algn="just"/>
+            <a:r>
+              <a:rPr lang="en-US" altLang="ko-KR" sz="1200" dirty="0">
+                <a:solidFill>
+                  <a:schemeClr val="tx1"/>
+                </a:solidFill>
+              </a:rPr>
+              <a:t>#</a:t>
+            </a:r>
+            <a:r>
+              <a:rPr lang="ko-KR" altLang="en-US" sz="1200" dirty="0">
+                <a:solidFill>
+                  <a:schemeClr val="tx1"/>
+                </a:solidFill>
+              </a:rPr>
+              <a:t>이미지를 불러오고 </a:t>
+            </a:r>
+            <a:r>
+              <a:rPr lang="en-US" altLang="ko-KR" sz="1200" dirty="0">
+                <a:solidFill>
+                  <a:schemeClr val="tx1"/>
+                </a:solidFill>
+              </a:rPr>
+              <a:t>255</a:t>
+            </a:r>
+            <a:r>
+              <a:rPr lang="ko-KR" altLang="en-US" sz="1200" dirty="0">
+                <a:solidFill>
+                  <a:schemeClr val="tx1"/>
+                </a:solidFill>
+              </a:rPr>
+              <a:t>크기로 맵핑을 </a:t>
+            </a:r>
+            <a:r>
+              <a:rPr lang="ko-KR" altLang="en-US" sz="1200" dirty="0" err="1">
+                <a:solidFill>
+                  <a:schemeClr val="tx1"/>
+                </a:solidFill>
+              </a:rPr>
+              <a:t>해준뒤</a:t>
+            </a:r>
+            <a:r>
+              <a:rPr lang="ko-KR" altLang="en-US" sz="1200" dirty="0">
+                <a:solidFill>
+                  <a:schemeClr val="tx1"/>
+                </a:solidFill>
+              </a:rPr>
+              <a:t> 정수화 시킨다</a:t>
+            </a:r>
+            <a:r>
+              <a:rPr lang="en-US" altLang="ko-KR" sz="1200" dirty="0">
+                <a:solidFill>
+                  <a:schemeClr val="tx1"/>
+                </a:solidFill>
+              </a:rPr>
+              <a:t>.</a:t>
+            </a:r>
+          </a:p>
+          <a:p>
+            <a:pPr algn="just"/>
+            <a:r>
+              <a:rPr lang="en-US" altLang="ko-KR" sz="1200" dirty="0" err="1">
+                <a:solidFill>
+                  <a:schemeClr val="tx1"/>
+                </a:solidFill>
+              </a:rPr>
+              <a:t>img</a:t>
+            </a:r>
+            <a:r>
+              <a:rPr lang="en-US" altLang="ko-KR" sz="1200" dirty="0">
+                <a:solidFill>
+                  <a:schemeClr val="tx1"/>
+                </a:solidFill>
+              </a:rPr>
+              <a:t> = np.uint8(</a:t>
+            </a:r>
+            <a:r>
+              <a:rPr lang="en-US" altLang="ko-KR" sz="1200" dirty="0" err="1">
+                <a:solidFill>
+                  <a:schemeClr val="tx1"/>
+                </a:solidFill>
+              </a:rPr>
+              <a:t>mpimg.imread</a:t>
+            </a:r>
+            <a:r>
+              <a:rPr lang="en-US" altLang="ko-KR" sz="1200" dirty="0">
+                <a:solidFill>
+                  <a:schemeClr val="tx1"/>
+                </a:solidFill>
+              </a:rPr>
+              <a:t>('./images/beans_g.png')*255.0)</a:t>
+            </a:r>
+          </a:p>
+          <a:p>
+            <a:pPr algn="just"/>
+            <a:endParaRPr lang="en-US" altLang="ko-KR" sz="1200" dirty="0">
+              <a:solidFill>
+                <a:schemeClr val="tx1"/>
+              </a:solidFill>
+            </a:endParaRPr>
+          </a:p>
+          <a:p>
+            <a:pPr algn="just"/>
+            <a:r>
+              <a:rPr lang="en-US" altLang="ko-KR" sz="1200" dirty="0">
+                <a:solidFill>
+                  <a:schemeClr val="tx1"/>
+                </a:solidFill>
+              </a:rPr>
+              <a:t># R, G, B, A </a:t>
+            </a:r>
+            <a:r>
+              <a:rPr lang="ko-KR" altLang="en-US" sz="1200" dirty="0">
+                <a:solidFill>
+                  <a:schemeClr val="tx1"/>
+                </a:solidFill>
+              </a:rPr>
+              <a:t>채널에 대해 </a:t>
+            </a:r>
+            <a:r>
+              <a:rPr lang="en-US" altLang="ko-KR" sz="1200" dirty="0">
+                <a:solidFill>
+                  <a:schemeClr val="tx1"/>
+                </a:solidFill>
+              </a:rPr>
+              <a:t>grayscale</a:t>
+            </a:r>
+            <a:r>
+              <a:rPr lang="ko-KR" altLang="en-US" sz="1200" dirty="0">
+                <a:solidFill>
+                  <a:schemeClr val="tx1"/>
+                </a:solidFill>
+              </a:rPr>
+              <a:t>로 변환한다</a:t>
+            </a:r>
+            <a:r>
+              <a:rPr lang="en-US" altLang="ko-KR" sz="1200" dirty="0">
+                <a:solidFill>
+                  <a:schemeClr val="tx1"/>
+                </a:solidFill>
+              </a:rPr>
+              <a:t>.</a:t>
+            </a:r>
+          </a:p>
+          <a:p>
+            <a:pPr algn="just"/>
+            <a:r>
+              <a:rPr lang="en-US" altLang="ko-KR" sz="1200" dirty="0" err="1">
+                <a:solidFill>
+                  <a:schemeClr val="tx1"/>
+                </a:solidFill>
+              </a:rPr>
+              <a:t>img</a:t>
+            </a:r>
+            <a:r>
+              <a:rPr lang="en-US" altLang="ko-KR" sz="1200" dirty="0">
+                <a:solidFill>
+                  <a:schemeClr val="tx1"/>
+                </a:solidFill>
+              </a:rPr>
+              <a:t> = np.uint8((0.2126* </a:t>
+            </a:r>
+            <a:r>
+              <a:rPr lang="en-US" altLang="ko-KR" sz="1200" dirty="0" err="1">
+                <a:solidFill>
+                  <a:schemeClr val="tx1"/>
+                </a:solidFill>
+              </a:rPr>
+              <a:t>img</a:t>
+            </a:r>
+            <a:r>
+              <a:rPr lang="en-US" altLang="ko-KR" sz="1200" dirty="0">
+                <a:solidFill>
+                  <a:schemeClr val="tx1"/>
+                </a:solidFill>
+              </a:rPr>
+              <a:t>[:,:,0]) + \</a:t>
+            </a:r>
+          </a:p>
+          <a:p>
+            <a:pPr algn="just"/>
+            <a:r>
+              <a:rPr lang="en-US" altLang="ko-KR" sz="1200" dirty="0">
+                <a:solidFill>
+                  <a:schemeClr val="tx1"/>
+                </a:solidFill>
+              </a:rPr>
+              <a:t>  		np.uint8(0.7152 * </a:t>
+            </a:r>
+            <a:r>
+              <a:rPr lang="en-US" altLang="ko-KR" sz="1200" dirty="0" err="1">
+                <a:solidFill>
+                  <a:schemeClr val="tx1"/>
+                </a:solidFill>
+              </a:rPr>
+              <a:t>img</a:t>
+            </a:r>
+            <a:r>
+              <a:rPr lang="en-US" altLang="ko-KR" sz="1200" dirty="0">
+                <a:solidFill>
+                  <a:schemeClr val="tx1"/>
+                </a:solidFill>
+              </a:rPr>
+              <a:t>[:,:,1]) +\</a:t>
+            </a:r>
+          </a:p>
+          <a:p>
+            <a:pPr algn="just"/>
+            <a:r>
+              <a:rPr lang="en-US" altLang="ko-KR" sz="1200" dirty="0">
+                <a:solidFill>
+                  <a:schemeClr val="tx1"/>
+                </a:solidFill>
+              </a:rPr>
+              <a:t>			 np.uint8(0.0722 * </a:t>
+            </a:r>
+            <a:r>
+              <a:rPr lang="en-US" altLang="ko-KR" sz="1200" dirty="0" err="1">
+                <a:solidFill>
+                  <a:schemeClr val="tx1"/>
+                </a:solidFill>
+              </a:rPr>
+              <a:t>img</a:t>
+            </a:r>
+            <a:r>
+              <a:rPr lang="en-US" altLang="ko-KR" sz="1200" dirty="0">
+                <a:solidFill>
+                  <a:schemeClr val="tx1"/>
+                </a:solidFill>
+              </a:rPr>
+              <a:t>[:,:,2]))</a:t>
+            </a:r>
+          </a:p>
+          <a:p>
+            <a:pPr algn="just"/>
+            <a:endParaRPr lang="en-US" altLang="ko-KR" sz="1200" dirty="0">
+              <a:solidFill>
+                <a:schemeClr val="tx1"/>
+              </a:solidFill>
+            </a:endParaRPr>
+          </a:p>
+          <a:p>
+            <a:pPr algn="just"/>
+            <a:endParaRPr lang="en-US" altLang="ko-KR" sz="1200" dirty="0">
+              <a:solidFill>
+                <a:schemeClr val="tx1"/>
+              </a:solidFill>
+            </a:endParaRPr>
+          </a:p>
+          <a:p>
+            <a:pPr algn="just"/>
+            <a:r>
+              <a:rPr lang="en-US" altLang="ko-KR" sz="1200" dirty="0">
+                <a:solidFill>
+                  <a:schemeClr val="tx1"/>
+                </a:solidFill>
+              </a:rPr>
+              <a:t># </a:t>
+            </a:r>
+            <a:r>
+              <a:rPr lang="ko-KR" altLang="en-US" sz="1200" dirty="0">
+                <a:solidFill>
+                  <a:schemeClr val="tx1"/>
+                </a:solidFill>
+              </a:rPr>
+              <a:t>변환 이미지</a:t>
+            </a:r>
+            <a:r>
+              <a:rPr lang="en-US" altLang="ko-KR" sz="1200" dirty="0">
+                <a:solidFill>
+                  <a:schemeClr val="tx1"/>
+                </a:solidFill>
+              </a:rPr>
+              <a:t>, </a:t>
+            </a:r>
+            <a:r>
+              <a:rPr lang="ko-KR" altLang="en-US" sz="1200" dirty="0">
+                <a:solidFill>
+                  <a:schemeClr val="tx1"/>
+                </a:solidFill>
+              </a:rPr>
+              <a:t>원본 히스토그램</a:t>
+            </a:r>
+            <a:r>
+              <a:rPr lang="en-US" altLang="ko-KR" sz="1200" dirty="0">
+                <a:solidFill>
+                  <a:schemeClr val="tx1"/>
+                </a:solidFill>
+              </a:rPr>
+              <a:t>, </a:t>
+            </a:r>
+            <a:r>
+              <a:rPr lang="ko-KR" altLang="en-US" sz="1200" dirty="0">
+                <a:solidFill>
+                  <a:schemeClr val="tx1"/>
+                </a:solidFill>
+              </a:rPr>
+              <a:t>변환 히스토그램</a:t>
+            </a:r>
+            <a:r>
+              <a:rPr lang="en-US" altLang="ko-KR" sz="1200" dirty="0">
+                <a:solidFill>
+                  <a:schemeClr val="tx1"/>
+                </a:solidFill>
+              </a:rPr>
+              <a:t>, </a:t>
+            </a:r>
+            <a:r>
+              <a:rPr lang="ko-KR" altLang="en-US" sz="1200" dirty="0">
+                <a:solidFill>
+                  <a:schemeClr val="tx1"/>
+                </a:solidFill>
+              </a:rPr>
+              <a:t>변환함수를 반환한다</a:t>
+            </a:r>
+            <a:r>
+              <a:rPr lang="en-US" altLang="ko-KR" sz="1200" dirty="0">
+                <a:solidFill>
+                  <a:schemeClr val="tx1"/>
+                </a:solidFill>
+              </a:rPr>
+              <a:t>.</a:t>
+            </a:r>
+          </a:p>
+          <a:p>
+            <a:pPr algn="just"/>
+            <a:r>
+              <a:rPr lang="en-US" altLang="ko-KR" sz="1200" dirty="0" err="1">
+                <a:solidFill>
+                  <a:schemeClr val="tx1"/>
+                </a:solidFill>
+              </a:rPr>
+              <a:t>new_img</a:t>
+            </a:r>
+            <a:r>
+              <a:rPr lang="en-US" altLang="ko-KR" sz="1200" dirty="0">
+                <a:solidFill>
+                  <a:schemeClr val="tx1"/>
+                </a:solidFill>
+              </a:rPr>
+              <a:t>, h, </a:t>
+            </a:r>
+            <a:r>
+              <a:rPr lang="en-US" altLang="ko-KR" sz="1200" dirty="0" err="1">
+                <a:solidFill>
+                  <a:schemeClr val="tx1"/>
+                </a:solidFill>
+              </a:rPr>
+              <a:t>new_h</a:t>
+            </a:r>
+            <a:r>
+              <a:rPr lang="en-US" altLang="ko-KR" sz="1200" dirty="0">
+                <a:solidFill>
+                  <a:schemeClr val="tx1"/>
+                </a:solidFill>
+              </a:rPr>
+              <a:t>, </a:t>
+            </a:r>
+            <a:r>
+              <a:rPr lang="en-US" altLang="ko-KR" sz="1200" dirty="0" err="1">
+                <a:solidFill>
+                  <a:schemeClr val="tx1"/>
+                </a:solidFill>
+              </a:rPr>
+              <a:t>sk</a:t>
+            </a:r>
+            <a:r>
+              <a:rPr lang="en-US" altLang="ko-KR" sz="1200" dirty="0">
+                <a:solidFill>
+                  <a:schemeClr val="tx1"/>
+                </a:solidFill>
+              </a:rPr>
+              <a:t> = </a:t>
+            </a:r>
+            <a:r>
+              <a:rPr lang="en-US" altLang="ko-KR" sz="1200" dirty="0" err="1">
+                <a:solidFill>
+                  <a:schemeClr val="tx1"/>
+                </a:solidFill>
+              </a:rPr>
+              <a:t>histeq</a:t>
+            </a:r>
+            <a:r>
+              <a:rPr lang="en-US" altLang="ko-KR" sz="1200" dirty="0">
+                <a:solidFill>
+                  <a:schemeClr val="tx1"/>
+                </a:solidFill>
+              </a:rPr>
+              <a:t>(</a:t>
+            </a:r>
+            <a:r>
+              <a:rPr lang="en-US" altLang="ko-KR" sz="1200" dirty="0" err="1">
+                <a:solidFill>
+                  <a:schemeClr val="tx1"/>
+                </a:solidFill>
+              </a:rPr>
+              <a:t>img</a:t>
+            </a:r>
+            <a:r>
+              <a:rPr lang="en-US" altLang="ko-KR" sz="1200" dirty="0">
+                <a:solidFill>
+                  <a:schemeClr val="tx1"/>
+                </a:solidFill>
+              </a:rPr>
+              <a:t>)</a:t>
+            </a:r>
+          </a:p>
+          <a:p>
+            <a:pPr algn="just"/>
+            <a:endParaRPr lang="en-US" altLang="ko-KR" sz="1200" dirty="0">
+              <a:solidFill>
+                <a:schemeClr val="tx1"/>
+              </a:solidFill>
+            </a:endParaRPr>
+          </a:p>
+          <a:p>
+            <a:pPr algn="just"/>
+            <a:r>
+              <a:rPr lang="en-US" altLang="ko-KR" sz="1200" dirty="0">
+                <a:solidFill>
+                  <a:schemeClr val="tx1"/>
+                </a:solidFill>
+              </a:rPr>
+              <a:t># </a:t>
+            </a:r>
+            <a:r>
+              <a:rPr lang="ko-KR" altLang="en-US" sz="1200" dirty="0">
+                <a:solidFill>
+                  <a:schemeClr val="tx1"/>
+                </a:solidFill>
+              </a:rPr>
+              <a:t>원본 이미지를  보여준다</a:t>
+            </a:r>
+            <a:r>
+              <a:rPr lang="en-US" altLang="ko-KR" sz="1200" dirty="0">
+                <a:solidFill>
+                  <a:schemeClr val="tx1"/>
+                </a:solidFill>
+              </a:rPr>
+              <a:t>.</a:t>
+            </a:r>
+          </a:p>
+          <a:p>
+            <a:pPr algn="just"/>
+            <a:r>
+              <a:rPr lang="en-US" altLang="ko-KR" sz="1200" dirty="0" err="1">
+                <a:solidFill>
+                  <a:schemeClr val="tx1"/>
+                </a:solidFill>
+              </a:rPr>
+              <a:t>pylab.subplot</a:t>
+            </a:r>
+            <a:r>
+              <a:rPr lang="en-US" altLang="ko-KR" sz="1200" dirty="0">
+                <a:solidFill>
+                  <a:schemeClr val="tx1"/>
+                </a:solidFill>
+              </a:rPr>
+              <a:t>(121) # </a:t>
+            </a:r>
+            <a:r>
+              <a:rPr lang="ko-KR" altLang="en-US" sz="1200" dirty="0">
+                <a:solidFill>
+                  <a:schemeClr val="tx1"/>
+                </a:solidFill>
+              </a:rPr>
+              <a:t>위치설정</a:t>
+            </a:r>
+          </a:p>
+          <a:p>
+            <a:pPr algn="just"/>
+            <a:r>
+              <a:rPr lang="en-US" altLang="ko-KR" sz="1200" dirty="0" err="1">
+                <a:solidFill>
+                  <a:schemeClr val="tx1"/>
+                </a:solidFill>
+              </a:rPr>
+              <a:t>pylab.title</a:t>
+            </a:r>
+            <a:r>
+              <a:rPr lang="en-US" altLang="ko-KR" sz="1200" dirty="0">
+                <a:solidFill>
+                  <a:schemeClr val="tx1"/>
+                </a:solidFill>
+              </a:rPr>
+              <a:t>('original image') # </a:t>
+            </a:r>
+            <a:r>
+              <a:rPr lang="ko-KR" altLang="en-US" sz="1200" dirty="0">
+                <a:solidFill>
+                  <a:schemeClr val="tx1"/>
+                </a:solidFill>
+              </a:rPr>
+              <a:t>제목표기</a:t>
+            </a:r>
+          </a:p>
+          <a:p>
+            <a:pPr algn="just"/>
+            <a:r>
+              <a:rPr lang="en-US" altLang="ko-KR" sz="1200" dirty="0">
+                <a:solidFill>
+                  <a:schemeClr val="tx1"/>
+                </a:solidFill>
+              </a:rPr>
+              <a:t># </a:t>
+            </a:r>
+            <a:r>
+              <a:rPr lang="ko-KR" altLang="en-US" sz="1200" dirty="0" err="1">
+                <a:solidFill>
+                  <a:schemeClr val="tx1"/>
+                </a:solidFill>
+              </a:rPr>
+              <a:t>출력값이</a:t>
+            </a:r>
+            <a:r>
+              <a:rPr lang="ko-KR" altLang="en-US" sz="1200" dirty="0">
+                <a:solidFill>
+                  <a:schemeClr val="tx1"/>
+                </a:solidFill>
+              </a:rPr>
+              <a:t> 현재 데이터와 맞도록 </a:t>
+            </a:r>
+            <a:r>
+              <a:rPr lang="en-US" altLang="ko-KR" sz="1200" dirty="0" err="1">
+                <a:solidFill>
+                  <a:schemeClr val="tx1"/>
+                </a:solidFill>
+              </a:rPr>
+              <a:t>vmin</a:t>
+            </a:r>
+            <a:r>
+              <a:rPr lang="en-US" altLang="ko-KR" sz="1200" dirty="0">
+                <a:solidFill>
+                  <a:schemeClr val="tx1"/>
+                </a:solidFill>
+              </a:rPr>
+              <a:t>, </a:t>
+            </a:r>
+            <a:r>
+              <a:rPr lang="en-US" altLang="ko-KR" sz="1200" dirty="0" err="1">
+                <a:solidFill>
+                  <a:schemeClr val="tx1"/>
+                </a:solidFill>
+              </a:rPr>
+              <a:t>vmax</a:t>
+            </a:r>
+            <a:r>
+              <a:rPr lang="ko-KR" altLang="en-US" sz="1200" dirty="0">
+                <a:solidFill>
+                  <a:schemeClr val="tx1"/>
+                </a:solidFill>
+              </a:rPr>
+              <a:t>를 이용해 값 범위 조정 후 출력</a:t>
+            </a:r>
+          </a:p>
+          <a:p>
+            <a:pPr algn="just"/>
+            <a:r>
+              <a:rPr lang="en-US" altLang="ko-KR" sz="1200" dirty="0" err="1">
+                <a:solidFill>
+                  <a:schemeClr val="tx1"/>
+                </a:solidFill>
+              </a:rPr>
+              <a:t>pylab.imshow</a:t>
+            </a:r>
+            <a:r>
+              <a:rPr lang="en-US" altLang="ko-KR" sz="1200" dirty="0">
+                <a:solidFill>
+                  <a:schemeClr val="tx1"/>
+                </a:solidFill>
+              </a:rPr>
+              <a:t>(</a:t>
+            </a:r>
+            <a:r>
+              <a:rPr lang="en-US" altLang="ko-KR" sz="1200" dirty="0" err="1">
+                <a:solidFill>
+                  <a:schemeClr val="tx1"/>
+                </a:solidFill>
+              </a:rPr>
+              <a:t>img</a:t>
+            </a:r>
+            <a:r>
+              <a:rPr lang="en-US" altLang="ko-KR" sz="1200" dirty="0">
+                <a:solidFill>
+                  <a:schemeClr val="tx1"/>
+                </a:solidFill>
+              </a:rPr>
+              <a:t>, </a:t>
+            </a:r>
+            <a:r>
+              <a:rPr lang="en-US" altLang="ko-KR" sz="1200" dirty="0" err="1">
+                <a:solidFill>
+                  <a:schemeClr val="tx1"/>
+                </a:solidFill>
+              </a:rPr>
+              <a:t>cmap</a:t>
+            </a:r>
+            <a:r>
+              <a:rPr lang="en-US" altLang="ko-KR" sz="1200" dirty="0">
+                <a:solidFill>
+                  <a:schemeClr val="tx1"/>
+                </a:solidFill>
+              </a:rPr>
+              <a:t>='gray', </a:t>
+            </a:r>
+            <a:r>
+              <a:rPr lang="en-US" altLang="ko-KR" sz="1200" dirty="0" err="1">
+                <a:solidFill>
+                  <a:schemeClr val="tx1"/>
+                </a:solidFill>
+              </a:rPr>
+              <a:t>vmin</a:t>
+            </a:r>
+            <a:r>
+              <a:rPr lang="en-US" altLang="ko-KR" sz="1200" dirty="0">
+                <a:solidFill>
+                  <a:schemeClr val="tx1"/>
+                </a:solidFill>
+              </a:rPr>
+              <a:t>=0, </a:t>
+            </a:r>
+            <a:r>
+              <a:rPr lang="en-US" altLang="ko-KR" sz="1200" dirty="0" err="1">
+                <a:solidFill>
+                  <a:schemeClr val="tx1"/>
+                </a:solidFill>
+              </a:rPr>
+              <a:t>vmax</a:t>
+            </a:r>
+            <a:r>
+              <a:rPr lang="en-US" altLang="ko-KR" sz="1200" dirty="0">
+                <a:solidFill>
+                  <a:schemeClr val="tx1"/>
+                </a:solidFill>
+              </a:rPr>
+              <a:t>=255), </a:t>
+            </a:r>
+            <a:r>
+              <a:rPr lang="en-US" altLang="ko-KR" sz="1200" dirty="0" err="1">
+                <a:solidFill>
+                  <a:schemeClr val="tx1"/>
+                </a:solidFill>
+              </a:rPr>
+              <a:t>pylab.axis</a:t>
+            </a:r>
+            <a:r>
+              <a:rPr lang="en-US" altLang="ko-KR" sz="1200" dirty="0">
+                <a:solidFill>
+                  <a:schemeClr val="tx1"/>
+                </a:solidFill>
+              </a:rPr>
+              <a:t>('off')</a:t>
+            </a:r>
+          </a:p>
+          <a:p>
+            <a:pPr algn="just"/>
+            <a:endParaRPr lang="en-US" altLang="ko-KR" sz="1200" dirty="0">
+              <a:solidFill>
+                <a:schemeClr val="tx1"/>
+              </a:solidFill>
+            </a:endParaRPr>
+          </a:p>
+          <a:p>
+            <a:pPr algn="just"/>
+            <a:r>
+              <a:rPr lang="en-US" altLang="ko-KR" sz="1200" dirty="0">
+                <a:solidFill>
+                  <a:schemeClr val="tx1"/>
+                </a:solidFill>
+              </a:rPr>
+              <a:t># </a:t>
+            </a:r>
+            <a:r>
+              <a:rPr lang="ko-KR" altLang="en-US" sz="1200" dirty="0" err="1">
+                <a:solidFill>
+                  <a:schemeClr val="tx1"/>
+                </a:solidFill>
+              </a:rPr>
+              <a:t>평활화</a:t>
+            </a:r>
+            <a:r>
+              <a:rPr lang="ko-KR" altLang="en-US" sz="1200" dirty="0">
+                <a:solidFill>
+                  <a:schemeClr val="tx1"/>
+                </a:solidFill>
+              </a:rPr>
+              <a:t> 이미지를 보여준다</a:t>
+            </a:r>
+            <a:r>
+              <a:rPr lang="en-US" altLang="ko-KR" sz="1200" dirty="0">
+                <a:solidFill>
+                  <a:schemeClr val="tx1"/>
+                </a:solidFill>
+              </a:rPr>
+              <a:t>.</a:t>
+            </a:r>
+          </a:p>
+          <a:p>
+            <a:pPr algn="just"/>
+            <a:r>
+              <a:rPr lang="en-US" altLang="ko-KR" sz="1200" dirty="0" err="1">
+                <a:solidFill>
+                  <a:schemeClr val="tx1"/>
+                </a:solidFill>
+              </a:rPr>
+              <a:t>pylab.subplot</a:t>
+            </a:r>
+            <a:r>
+              <a:rPr lang="en-US" altLang="ko-KR" sz="1200" dirty="0">
+                <a:solidFill>
+                  <a:schemeClr val="tx1"/>
+                </a:solidFill>
+              </a:rPr>
+              <a:t>(122) # </a:t>
+            </a:r>
+            <a:r>
+              <a:rPr lang="ko-KR" altLang="en-US" sz="1200" dirty="0">
+                <a:solidFill>
+                  <a:schemeClr val="tx1"/>
+                </a:solidFill>
+              </a:rPr>
+              <a:t>위치설정</a:t>
+            </a:r>
+          </a:p>
+          <a:p>
+            <a:pPr algn="just"/>
+            <a:r>
+              <a:rPr lang="en-US" altLang="ko-KR" sz="1200" dirty="0" err="1">
+                <a:solidFill>
+                  <a:schemeClr val="tx1"/>
+                </a:solidFill>
+              </a:rPr>
+              <a:t>pylab.title</a:t>
+            </a:r>
+            <a:r>
+              <a:rPr lang="en-US" altLang="ko-KR" sz="1200" dirty="0">
+                <a:solidFill>
+                  <a:schemeClr val="tx1"/>
+                </a:solidFill>
+              </a:rPr>
+              <a:t>('equalized image') # </a:t>
+            </a:r>
+            <a:r>
+              <a:rPr lang="ko-KR" altLang="en-US" sz="1200" dirty="0">
+                <a:solidFill>
+                  <a:schemeClr val="tx1"/>
+                </a:solidFill>
+              </a:rPr>
+              <a:t>제목표기</a:t>
+            </a:r>
+          </a:p>
+          <a:p>
+            <a:pPr algn="just"/>
+            <a:r>
+              <a:rPr lang="en-US" altLang="ko-KR" sz="1200" dirty="0">
+                <a:solidFill>
+                  <a:schemeClr val="tx1"/>
+                </a:solidFill>
+              </a:rPr>
+              <a:t># </a:t>
+            </a:r>
+            <a:r>
+              <a:rPr lang="ko-KR" altLang="en-US" sz="1200" dirty="0" err="1">
+                <a:solidFill>
+                  <a:schemeClr val="tx1"/>
+                </a:solidFill>
+              </a:rPr>
+              <a:t>출력값이</a:t>
+            </a:r>
+            <a:r>
+              <a:rPr lang="ko-KR" altLang="en-US" sz="1200" dirty="0">
+                <a:solidFill>
+                  <a:schemeClr val="tx1"/>
+                </a:solidFill>
+              </a:rPr>
+              <a:t> 현재 데이터와 맞도록 </a:t>
+            </a:r>
+            <a:r>
+              <a:rPr lang="en-US" altLang="ko-KR" sz="1200" dirty="0" err="1">
+                <a:solidFill>
+                  <a:schemeClr val="tx1"/>
+                </a:solidFill>
+              </a:rPr>
+              <a:t>vmin</a:t>
+            </a:r>
+            <a:r>
+              <a:rPr lang="en-US" altLang="ko-KR" sz="1200" dirty="0">
+                <a:solidFill>
+                  <a:schemeClr val="tx1"/>
+                </a:solidFill>
+              </a:rPr>
+              <a:t>, </a:t>
+            </a:r>
+            <a:r>
+              <a:rPr lang="en-US" altLang="ko-KR" sz="1200" dirty="0" err="1">
+                <a:solidFill>
+                  <a:schemeClr val="tx1"/>
+                </a:solidFill>
+              </a:rPr>
+              <a:t>vmax</a:t>
+            </a:r>
+            <a:r>
+              <a:rPr lang="ko-KR" altLang="en-US" sz="1200" dirty="0">
+                <a:solidFill>
+                  <a:schemeClr val="tx1"/>
+                </a:solidFill>
+              </a:rPr>
+              <a:t>를 이용해 값 범위 조정 후 출력</a:t>
+            </a:r>
+          </a:p>
+          <a:p>
+            <a:pPr algn="just"/>
+            <a:r>
+              <a:rPr lang="en-US" altLang="ko-KR" sz="1200" dirty="0" err="1">
+                <a:solidFill>
+                  <a:schemeClr val="tx1"/>
+                </a:solidFill>
+              </a:rPr>
+              <a:t>pylab.imshow</a:t>
+            </a:r>
+            <a:r>
+              <a:rPr lang="en-US" altLang="ko-KR" sz="1200" dirty="0">
+                <a:solidFill>
+                  <a:schemeClr val="tx1"/>
+                </a:solidFill>
+              </a:rPr>
+              <a:t>(</a:t>
+            </a:r>
+            <a:r>
+              <a:rPr lang="en-US" altLang="ko-KR" sz="1200" dirty="0" err="1">
+                <a:solidFill>
+                  <a:schemeClr val="tx1"/>
+                </a:solidFill>
+              </a:rPr>
+              <a:t>new_img</a:t>
+            </a:r>
+            <a:r>
+              <a:rPr lang="en-US" altLang="ko-KR" sz="1200" dirty="0">
+                <a:solidFill>
+                  <a:schemeClr val="tx1"/>
+                </a:solidFill>
+              </a:rPr>
+              <a:t>, </a:t>
+            </a:r>
+            <a:r>
+              <a:rPr lang="en-US" altLang="ko-KR" sz="1200" dirty="0" err="1">
+                <a:solidFill>
+                  <a:schemeClr val="tx1"/>
+                </a:solidFill>
+              </a:rPr>
+              <a:t>cmap</a:t>
+            </a:r>
+            <a:r>
+              <a:rPr lang="en-US" altLang="ko-KR" sz="1200" dirty="0">
+                <a:solidFill>
+                  <a:schemeClr val="tx1"/>
+                </a:solidFill>
+              </a:rPr>
+              <a:t>='gray', </a:t>
+            </a:r>
+            <a:r>
+              <a:rPr lang="en-US" altLang="ko-KR" sz="1200" dirty="0" err="1">
+                <a:solidFill>
+                  <a:schemeClr val="tx1"/>
+                </a:solidFill>
+              </a:rPr>
+              <a:t>vmin</a:t>
+            </a:r>
+            <a:r>
+              <a:rPr lang="en-US" altLang="ko-KR" sz="1200" dirty="0">
+                <a:solidFill>
+                  <a:schemeClr val="tx1"/>
+                </a:solidFill>
+              </a:rPr>
+              <a:t>=0, </a:t>
+            </a:r>
+            <a:r>
+              <a:rPr lang="en-US" altLang="ko-KR" sz="1200" dirty="0" err="1">
+                <a:solidFill>
+                  <a:schemeClr val="tx1"/>
+                </a:solidFill>
+              </a:rPr>
+              <a:t>vmax</a:t>
+            </a:r>
+            <a:r>
+              <a:rPr lang="en-US" altLang="ko-KR" sz="1200" dirty="0">
+                <a:solidFill>
+                  <a:schemeClr val="tx1"/>
+                </a:solidFill>
+              </a:rPr>
+              <a:t>=255), </a:t>
+            </a:r>
+            <a:r>
+              <a:rPr lang="en-US" altLang="ko-KR" sz="1200" dirty="0" err="1">
+                <a:solidFill>
+                  <a:schemeClr val="tx1"/>
+                </a:solidFill>
+              </a:rPr>
+              <a:t>pylab.axis</a:t>
+            </a:r>
+            <a:r>
+              <a:rPr lang="en-US" altLang="ko-KR" sz="1200" dirty="0">
+                <a:solidFill>
+                  <a:schemeClr val="tx1"/>
+                </a:solidFill>
+              </a:rPr>
+              <a:t>('off')</a:t>
+            </a:r>
+          </a:p>
+          <a:p>
+            <a:pPr algn="just"/>
+            <a:endParaRPr lang="en-US" altLang="ko-KR" sz="1200" dirty="0">
+              <a:solidFill>
+                <a:schemeClr val="tx1"/>
+              </a:solidFill>
+            </a:endParaRPr>
+          </a:p>
+          <a:p>
+            <a:pPr algn="just"/>
+            <a:endParaRPr lang="en-US" altLang="ko-KR" sz="1200" dirty="0">
+              <a:solidFill>
+                <a:schemeClr val="tx1"/>
+              </a:solidFill>
+            </a:endParaRPr>
+          </a:p>
+          <a:p>
+            <a:pPr algn="just"/>
+            <a:r>
+              <a:rPr lang="en-US" altLang="ko-KR" sz="1200" dirty="0">
+                <a:solidFill>
+                  <a:schemeClr val="tx1"/>
+                </a:solidFill>
+              </a:rPr>
+              <a:t>fig = </a:t>
+            </a:r>
+            <a:r>
+              <a:rPr lang="en-US" altLang="ko-KR" sz="1200" dirty="0" err="1">
+                <a:solidFill>
+                  <a:schemeClr val="tx1"/>
+                </a:solidFill>
+              </a:rPr>
+              <a:t>pylab.figure</a:t>
+            </a:r>
+            <a:r>
+              <a:rPr lang="en-US" altLang="ko-KR" sz="1200" dirty="0">
+                <a:solidFill>
+                  <a:schemeClr val="tx1"/>
+                </a:solidFill>
+              </a:rPr>
+              <a:t>(</a:t>
+            </a:r>
+            <a:r>
+              <a:rPr lang="en-US" altLang="ko-KR" sz="1200" dirty="0" err="1">
+                <a:solidFill>
+                  <a:schemeClr val="tx1"/>
+                </a:solidFill>
+              </a:rPr>
+              <a:t>figsize</a:t>
+            </a:r>
+            <a:r>
+              <a:rPr lang="en-US" altLang="ko-KR" sz="1200" dirty="0">
+                <a:solidFill>
+                  <a:schemeClr val="tx1"/>
+                </a:solidFill>
+              </a:rPr>
+              <a:t>=(15, 5)) # </a:t>
+            </a:r>
+            <a:r>
+              <a:rPr lang="ko-KR" altLang="en-US" sz="1200" dirty="0">
+                <a:solidFill>
+                  <a:schemeClr val="tx1"/>
+                </a:solidFill>
+              </a:rPr>
+              <a:t>출력 사이즈 설정</a:t>
+            </a:r>
+          </a:p>
+          <a:p>
+            <a:pPr algn="just"/>
+            <a:r>
+              <a:rPr lang="en-US" altLang="ko-KR" sz="1200" dirty="0" err="1">
+                <a:solidFill>
+                  <a:schemeClr val="tx1"/>
+                </a:solidFill>
+              </a:rPr>
+              <a:t>fig.add_subplot</a:t>
+            </a:r>
+            <a:r>
+              <a:rPr lang="en-US" altLang="ko-KR" sz="1200" dirty="0">
+                <a:solidFill>
+                  <a:schemeClr val="tx1"/>
+                </a:solidFill>
+              </a:rPr>
+              <a:t>(131) # </a:t>
+            </a:r>
+            <a:r>
+              <a:rPr lang="ko-KR" altLang="en-US" sz="1200" dirty="0">
+                <a:solidFill>
+                  <a:schemeClr val="tx1"/>
+                </a:solidFill>
+              </a:rPr>
+              <a:t>위치설정</a:t>
+            </a:r>
+          </a:p>
+          <a:p>
+            <a:pPr algn="just"/>
+            <a:r>
+              <a:rPr lang="en-US" altLang="ko-KR" sz="1200" dirty="0" err="1">
+                <a:solidFill>
+                  <a:schemeClr val="tx1"/>
+                </a:solidFill>
+              </a:rPr>
+              <a:t>pylab.plot</a:t>
+            </a:r>
+            <a:r>
+              <a:rPr lang="en-US" altLang="ko-KR" sz="1200" dirty="0">
+                <a:solidFill>
+                  <a:schemeClr val="tx1"/>
+                </a:solidFill>
+              </a:rPr>
+              <a:t>(h) # </a:t>
+            </a:r>
+            <a:r>
+              <a:rPr lang="ko-KR" altLang="en-US" sz="1200" dirty="0">
+                <a:solidFill>
+                  <a:schemeClr val="tx1"/>
+                </a:solidFill>
+              </a:rPr>
+              <a:t>원본 그래프 그리기</a:t>
+            </a:r>
+          </a:p>
+          <a:p>
+            <a:pPr algn="just"/>
+            <a:r>
+              <a:rPr lang="en-US" altLang="ko-KR" sz="1200" dirty="0" err="1">
+                <a:solidFill>
+                  <a:schemeClr val="tx1"/>
+                </a:solidFill>
+              </a:rPr>
+              <a:t>pylab.title</a:t>
+            </a:r>
+            <a:r>
+              <a:rPr lang="en-US" altLang="ko-KR" sz="1200" dirty="0">
+                <a:solidFill>
+                  <a:schemeClr val="tx1"/>
+                </a:solidFill>
+              </a:rPr>
+              <a:t>('Original histogram') # </a:t>
+            </a:r>
+            <a:r>
+              <a:rPr lang="ko-KR" altLang="en-US" sz="1200" dirty="0">
+                <a:solidFill>
+                  <a:schemeClr val="tx1"/>
+                </a:solidFill>
+              </a:rPr>
+              <a:t>제목표기</a:t>
+            </a:r>
+          </a:p>
+          <a:p>
+            <a:pPr algn="just"/>
             <a:endParaRPr lang="ko-KR" altLang="en-US" sz="1200" dirty="0">
               <a:solidFill>
-                <a:srgbClr val="FF0000"/>
+                <a:schemeClr val="tx1"/>
               </a:solidFill>
             </a:endParaRPr>
+          </a:p>
+          <a:p>
+            <a:pPr algn="just"/>
+            <a:r>
+              <a:rPr lang="en-US" altLang="ko-KR" sz="1200" dirty="0" err="1">
+                <a:solidFill>
+                  <a:schemeClr val="tx1"/>
+                </a:solidFill>
+              </a:rPr>
+              <a:t>fig.add_subplot</a:t>
+            </a:r>
+            <a:r>
+              <a:rPr lang="en-US" altLang="ko-KR" sz="1200" dirty="0">
+                <a:solidFill>
+                  <a:schemeClr val="tx1"/>
+                </a:solidFill>
+              </a:rPr>
+              <a:t>(132) # </a:t>
+            </a:r>
+            <a:r>
+              <a:rPr lang="ko-KR" altLang="en-US" sz="1200" dirty="0">
+                <a:solidFill>
+                  <a:schemeClr val="tx1"/>
+                </a:solidFill>
+              </a:rPr>
+              <a:t>위치설정</a:t>
+            </a:r>
+          </a:p>
+          <a:p>
+            <a:pPr algn="just"/>
+            <a:r>
+              <a:rPr lang="en-US" altLang="ko-KR" sz="1200" dirty="0" err="1">
+                <a:solidFill>
+                  <a:schemeClr val="tx1"/>
+                </a:solidFill>
+              </a:rPr>
+              <a:t>pylab.plot</a:t>
+            </a:r>
+            <a:r>
+              <a:rPr lang="en-US" altLang="ko-KR" sz="1200" dirty="0">
+                <a:solidFill>
+                  <a:schemeClr val="tx1"/>
+                </a:solidFill>
+              </a:rPr>
+              <a:t>(</a:t>
+            </a:r>
+            <a:r>
+              <a:rPr lang="en-US" altLang="ko-KR" sz="1200" dirty="0" err="1">
+                <a:solidFill>
+                  <a:schemeClr val="tx1"/>
+                </a:solidFill>
+              </a:rPr>
+              <a:t>new_h</a:t>
+            </a:r>
+            <a:r>
+              <a:rPr lang="en-US" altLang="ko-KR" sz="1200" dirty="0">
+                <a:solidFill>
+                  <a:schemeClr val="tx1"/>
+                </a:solidFill>
+              </a:rPr>
+              <a:t>) # </a:t>
+            </a:r>
+            <a:r>
+              <a:rPr lang="ko-KR" altLang="en-US" sz="1200" dirty="0" err="1">
+                <a:solidFill>
+                  <a:schemeClr val="tx1"/>
+                </a:solidFill>
+              </a:rPr>
+              <a:t>평활화</a:t>
+            </a:r>
+            <a:r>
+              <a:rPr lang="ko-KR" altLang="en-US" sz="1200" dirty="0">
+                <a:solidFill>
+                  <a:schemeClr val="tx1"/>
+                </a:solidFill>
+              </a:rPr>
+              <a:t> 그래프 그리기</a:t>
+            </a:r>
+          </a:p>
+          <a:p>
+            <a:pPr algn="just"/>
+            <a:r>
+              <a:rPr lang="en-US" altLang="ko-KR" sz="1200" dirty="0" err="1">
+                <a:solidFill>
+                  <a:schemeClr val="tx1"/>
+                </a:solidFill>
+              </a:rPr>
+              <a:t>pylab.title</a:t>
+            </a:r>
+            <a:r>
+              <a:rPr lang="en-US" altLang="ko-KR" sz="1200" dirty="0">
+                <a:solidFill>
+                  <a:schemeClr val="tx1"/>
+                </a:solidFill>
+              </a:rPr>
+              <a:t>('New histogram') # </a:t>
+            </a:r>
+            <a:r>
+              <a:rPr lang="ko-KR" altLang="en-US" sz="1200" dirty="0">
+                <a:solidFill>
+                  <a:schemeClr val="tx1"/>
+                </a:solidFill>
+              </a:rPr>
+              <a:t>제목표기</a:t>
+            </a:r>
+          </a:p>
+          <a:p>
+            <a:pPr algn="just"/>
+            <a:endParaRPr lang="ko-KR" altLang="en-US" sz="1200" dirty="0">
+              <a:solidFill>
+                <a:schemeClr val="tx1"/>
+              </a:solidFill>
+            </a:endParaRPr>
+          </a:p>
+          <a:p>
+            <a:pPr algn="just"/>
+            <a:r>
+              <a:rPr lang="en-US" altLang="ko-KR" sz="1200" dirty="0" err="1">
+                <a:solidFill>
+                  <a:schemeClr val="tx1"/>
+                </a:solidFill>
+              </a:rPr>
+              <a:t>fig.add_subplot</a:t>
+            </a:r>
+            <a:r>
+              <a:rPr lang="en-US" altLang="ko-KR" sz="1200" dirty="0">
+                <a:solidFill>
+                  <a:schemeClr val="tx1"/>
+                </a:solidFill>
+              </a:rPr>
+              <a:t>(133) # </a:t>
+            </a:r>
+            <a:r>
+              <a:rPr lang="ko-KR" altLang="en-US" sz="1200" dirty="0">
+                <a:solidFill>
+                  <a:schemeClr val="tx1"/>
+                </a:solidFill>
+              </a:rPr>
+              <a:t>위치설정</a:t>
+            </a:r>
+          </a:p>
+          <a:p>
+            <a:pPr algn="just"/>
+            <a:r>
+              <a:rPr lang="en-US" altLang="ko-KR" sz="1200" dirty="0" err="1">
+                <a:solidFill>
+                  <a:schemeClr val="tx1"/>
+                </a:solidFill>
+              </a:rPr>
+              <a:t>pylab.plot</a:t>
+            </a:r>
+            <a:r>
+              <a:rPr lang="en-US" altLang="ko-KR" sz="1200" dirty="0">
+                <a:solidFill>
+                  <a:schemeClr val="tx1"/>
+                </a:solidFill>
+              </a:rPr>
+              <a:t>(</a:t>
+            </a:r>
+            <a:r>
+              <a:rPr lang="en-US" altLang="ko-KR" sz="1200" dirty="0" err="1">
+                <a:solidFill>
+                  <a:schemeClr val="tx1"/>
+                </a:solidFill>
+              </a:rPr>
+              <a:t>sk</a:t>
+            </a:r>
+            <a:r>
+              <a:rPr lang="en-US" altLang="ko-KR" sz="1200" dirty="0">
+                <a:solidFill>
+                  <a:schemeClr val="tx1"/>
+                </a:solidFill>
+              </a:rPr>
+              <a:t>) # CDF </a:t>
+            </a:r>
+            <a:r>
+              <a:rPr lang="ko-KR" altLang="en-US" sz="1200" dirty="0">
+                <a:solidFill>
+                  <a:schemeClr val="tx1"/>
+                </a:solidFill>
+              </a:rPr>
+              <a:t>그래프 그리기</a:t>
+            </a:r>
+          </a:p>
+          <a:p>
+            <a:pPr algn="just"/>
+            <a:r>
+              <a:rPr lang="en-US" altLang="ko-KR" sz="1200" dirty="0" err="1">
+                <a:solidFill>
+                  <a:schemeClr val="tx1"/>
+                </a:solidFill>
+              </a:rPr>
+              <a:t>pylab.title</a:t>
+            </a:r>
+            <a:r>
+              <a:rPr lang="en-US" altLang="ko-KR" sz="1200" dirty="0">
+                <a:solidFill>
+                  <a:schemeClr val="tx1"/>
+                </a:solidFill>
+              </a:rPr>
+              <a:t>('Transfer function') # </a:t>
+            </a:r>
+            <a:r>
+              <a:rPr lang="ko-KR" altLang="en-US" sz="1200" dirty="0">
+                <a:solidFill>
+                  <a:schemeClr val="tx1"/>
+                </a:solidFill>
+              </a:rPr>
+              <a:t>제목표기</a:t>
+            </a:r>
+          </a:p>
+          <a:p>
+            <a:pPr algn="just"/>
+            <a:endParaRPr lang="ko-KR" altLang="en-US" sz="1200" dirty="0">
+              <a:solidFill>
+                <a:schemeClr val="tx1"/>
+              </a:solidFill>
+            </a:endParaRPr>
+          </a:p>
+          <a:p>
+            <a:pPr algn="just"/>
+            <a:r>
+              <a:rPr lang="en-US" altLang="ko-KR" sz="1200" dirty="0" err="1">
+                <a:solidFill>
+                  <a:schemeClr val="tx1"/>
+                </a:solidFill>
+              </a:rPr>
+              <a:t>pylab.show</a:t>
+            </a:r>
+            <a:r>
+              <a:rPr lang="en-US" altLang="ko-KR" sz="1200" dirty="0">
+                <a:solidFill>
+                  <a:schemeClr val="tx1"/>
+                </a:solidFill>
+              </a:rPr>
+              <a:t>() # </a:t>
+            </a:r>
+            <a:r>
+              <a:rPr lang="ko-KR" altLang="en-US" sz="1200" dirty="0">
+                <a:solidFill>
+                  <a:schemeClr val="tx1"/>
+                </a:solidFill>
+              </a:rPr>
+              <a:t>그리기</a:t>
+            </a:r>
           </a:p>
         </p:txBody>
       </p:sp>
@@ -4485,6 +7369,551 @@
     <p:extLst>
       <p:ext uri="{BB962C8B-B14F-4D97-AF65-F5344CB8AC3E}">
         <p14:creationId xmlns:p14="http://schemas.microsoft.com/office/powerpoint/2010/main" val="1060181824"/>
+      </p:ext>
+    </p:extLst>
+  </p:cSld>
+  <p:clrMapOvr>
+    <a:masterClrMapping/>
+  </p:clrMapOvr>
+</p:sld>
+</file>
+
+<file path=ppt/slides/slide3.xml><?xml version="1.0" encoding="utf-8"?>
+<p:sld xmlns:a="http://schemas.openxmlformats.org/drawingml/2006/main" xmlns:r="http://schemas.openxmlformats.org/officeDocument/2006/relationships" xmlns:p="http://schemas.openxmlformats.org/presentationml/2006/main">
+  <p:cSld>
+    <p:spTree>
+      <p:nvGrpSpPr>
+        <p:cNvPr id="1" name=""/>
+        <p:cNvGrpSpPr/>
+        <p:nvPr/>
+      </p:nvGrpSpPr>
+      <p:grpSpPr>
+        <a:xfrm>
+          <a:off x="0" y="0"/>
+          <a:ext cx="0" cy="0"/>
+          <a:chOff x="0" y="0"/>
+          <a:chExt cx="0" cy="0"/>
+        </a:xfrm>
+      </p:grpSpPr>
+      <p:sp>
+        <p:nvSpPr>
+          <p:cNvPr id="2" name="제목 1">
+            <a:extLst>
+              <a:ext uri="{FF2B5EF4-FFF2-40B4-BE49-F238E27FC236}">
+                <a16:creationId xmlns:a16="http://schemas.microsoft.com/office/drawing/2014/main" id="{372AE0FE-9FA1-1346-90D2-682B1CFFF067}"/>
+              </a:ext>
+            </a:extLst>
+          </p:cNvPr>
+          <p:cNvSpPr>
+            <a:spLocks noGrp="1"/>
+          </p:cNvSpPr>
+          <p:nvPr>
+            <p:ph type="title"/>
+          </p:nvPr>
+        </p:nvSpPr>
+        <p:spPr/>
+        <p:txBody>
+          <a:bodyPr/>
+          <a:lstStyle/>
+          <a:p>
+            <a:endParaRPr kumimoji="1" lang="ko-Kore-KR" altLang="en-US"/>
+          </a:p>
+        </p:txBody>
+      </p:sp>
+      <p:sp>
+        <p:nvSpPr>
+          <p:cNvPr id="3" name="내용 개체 틀 2">
+            <a:extLst>
+              <a:ext uri="{FF2B5EF4-FFF2-40B4-BE49-F238E27FC236}">
+                <a16:creationId xmlns:a16="http://schemas.microsoft.com/office/drawing/2014/main" id="{ACAF93D8-FD05-CB48-9F70-321021A111C1}"/>
+              </a:ext>
+            </a:extLst>
+          </p:cNvPr>
+          <p:cNvSpPr>
+            <a:spLocks noGrp="1"/>
+          </p:cNvSpPr>
+          <p:nvPr>
+            <p:ph idx="1"/>
+          </p:nvPr>
+        </p:nvSpPr>
+        <p:spPr/>
+        <p:txBody>
+          <a:bodyPr/>
+          <a:lstStyle/>
+          <a:p>
+            <a:endParaRPr kumimoji="1" lang="ko-Kore-KR" altLang="en-US"/>
+          </a:p>
+        </p:txBody>
+      </p:sp>
+      <p:sp>
+        <p:nvSpPr>
+          <p:cNvPr id="4" name="직사각형 3">
+            <a:extLst>
+              <a:ext uri="{FF2B5EF4-FFF2-40B4-BE49-F238E27FC236}">
+                <a16:creationId xmlns:a16="http://schemas.microsoft.com/office/drawing/2014/main" id="{FFE6CC0D-17C7-EB42-B747-31A19C2AE954}"/>
+              </a:ext>
+            </a:extLst>
+          </p:cNvPr>
+          <p:cNvSpPr/>
+          <p:nvPr/>
+        </p:nvSpPr>
+        <p:spPr>
+          <a:xfrm>
+            <a:off x="339634" y="442227"/>
+            <a:ext cx="6178731" cy="9021545"/>
+          </a:xfrm>
+          <a:prstGeom prst="rect">
+            <a:avLst/>
+          </a:prstGeom>
+          <a:solidFill>
+            <a:schemeClr val="bg2"/>
+          </a:solidFill>
+          <a:ln>
+            <a:solidFill>
+              <a:schemeClr val="tx1"/>
+            </a:solidFill>
+          </a:ln>
+        </p:spPr>
+        <p:style>
+          <a:lnRef idx="2">
+            <a:schemeClr val="accent1">
+              <a:shade val="50000"/>
+            </a:schemeClr>
+          </a:lnRef>
+          <a:fillRef idx="1">
+            <a:schemeClr val="accent1"/>
+          </a:fillRef>
+          <a:effectRef idx="0">
+            <a:schemeClr val="accent1"/>
+          </a:effectRef>
+          <a:fontRef idx="minor">
+            <a:schemeClr val="lt1"/>
+          </a:fontRef>
+        </p:style>
+        <p:txBody>
+          <a:bodyPr rtlCol="0" anchor="t" anchorCtr="0"/>
+          <a:lstStyle/>
+          <a:p>
+            <a:pPr algn="just"/>
+            <a:r>
+              <a:rPr lang="en-US" altLang="ko-KR" sz="1200" dirty="0">
+                <a:solidFill>
+                  <a:schemeClr val="tx1"/>
+                </a:solidFill>
+              </a:rPr>
+              <a:t>fig = </a:t>
+            </a:r>
+            <a:r>
+              <a:rPr lang="en-US" altLang="ko-KR" sz="1200" dirty="0" err="1">
+                <a:solidFill>
+                  <a:schemeClr val="tx1"/>
+                </a:solidFill>
+              </a:rPr>
+              <a:t>pylab.figure</a:t>
+            </a:r>
+            <a:r>
+              <a:rPr lang="en-US" altLang="ko-KR" sz="1200" dirty="0">
+                <a:solidFill>
+                  <a:schemeClr val="tx1"/>
+                </a:solidFill>
+              </a:rPr>
+              <a:t>(</a:t>
+            </a:r>
+            <a:r>
+              <a:rPr lang="en-US" altLang="ko-KR" sz="1200" dirty="0" err="1">
+                <a:solidFill>
+                  <a:schemeClr val="tx1"/>
+                </a:solidFill>
+              </a:rPr>
+              <a:t>figsize</a:t>
+            </a:r>
+            <a:r>
+              <a:rPr lang="en-US" altLang="ko-KR" sz="1200" dirty="0">
+                <a:solidFill>
+                  <a:schemeClr val="tx1"/>
+                </a:solidFill>
+              </a:rPr>
+              <a:t>=(15, 5)) # </a:t>
+            </a:r>
+            <a:r>
+              <a:rPr lang="ko-KR" altLang="en-US" sz="1200" dirty="0">
+                <a:solidFill>
+                  <a:schemeClr val="tx1"/>
+                </a:solidFill>
+              </a:rPr>
+              <a:t>출력 사이즈 설정</a:t>
+            </a:r>
+          </a:p>
+          <a:p>
+            <a:pPr algn="just"/>
+            <a:r>
+              <a:rPr lang="en-US" altLang="ko-KR" sz="1200" dirty="0" err="1">
+                <a:solidFill>
+                  <a:schemeClr val="tx1"/>
+                </a:solidFill>
+              </a:rPr>
+              <a:t>fig.add_subplot</a:t>
+            </a:r>
+            <a:r>
+              <a:rPr lang="en-US" altLang="ko-KR" sz="1200" dirty="0">
+                <a:solidFill>
+                  <a:schemeClr val="tx1"/>
+                </a:solidFill>
+              </a:rPr>
+              <a:t>(131) # </a:t>
+            </a:r>
+            <a:r>
+              <a:rPr lang="ko-KR" altLang="en-US" sz="1200" dirty="0">
+                <a:solidFill>
+                  <a:schemeClr val="tx1"/>
+                </a:solidFill>
+              </a:rPr>
+              <a:t>위치설정</a:t>
+            </a:r>
+          </a:p>
+          <a:p>
+            <a:pPr algn="just"/>
+            <a:r>
+              <a:rPr lang="en-US" altLang="ko-KR" sz="1200" dirty="0" err="1">
+                <a:solidFill>
+                  <a:schemeClr val="tx1"/>
+                </a:solidFill>
+              </a:rPr>
+              <a:t>pylab.plot</a:t>
+            </a:r>
+            <a:r>
+              <a:rPr lang="en-US" altLang="ko-KR" sz="1200" dirty="0">
+                <a:solidFill>
+                  <a:schemeClr val="tx1"/>
+                </a:solidFill>
+              </a:rPr>
+              <a:t>(h) # </a:t>
+            </a:r>
+            <a:r>
+              <a:rPr lang="ko-KR" altLang="en-US" sz="1200" dirty="0">
+                <a:solidFill>
+                  <a:schemeClr val="tx1"/>
+                </a:solidFill>
+              </a:rPr>
+              <a:t>원본 그래프 그리기</a:t>
+            </a:r>
+          </a:p>
+          <a:p>
+            <a:pPr algn="just"/>
+            <a:r>
+              <a:rPr lang="en-US" altLang="ko-KR" sz="1200" dirty="0" err="1">
+                <a:solidFill>
+                  <a:schemeClr val="tx1"/>
+                </a:solidFill>
+              </a:rPr>
+              <a:t>pylab.title</a:t>
+            </a:r>
+            <a:r>
+              <a:rPr lang="en-US" altLang="ko-KR" sz="1200" dirty="0">
+                <a:solidFill>
+                  <a:schemeClr val="tx1"/>
+                </a:solidFill>
+              </a:rPr>
+              <a:t>('Original histogram') # </a:t>
+            </a:r>
+            <a:r>
+              <a:rPr lang="ko-KR" altLang="en-US" sz="1200" dirty="0">
+                <a:solidFill>
+                  <a:schemeClr val="tx1"/>
+                </a:solidFill>
+              </a:rPr>
+              <a:t>제목표기</a:t>
+            </a:r>
+          </a:p>
+          <a:p>
+            <a:pPr algn="just"/>
+            <a:endParaRPr lang="ko-KR" altLang="en-US" sz="1200" dirty="0">
+              <a:solidFill>
+                <a:schemeClr val="tx1"/>
+              </a:solidFill>
+            </a:endParaRPr>
+          </a:p>
+          <a:p>
+            <a:pPr algn="just"/>
+            <a:r>
+              <a:rPr lang="en-US" altLang="ko-KR" sz="1200" dirty="0" err="1">
+                <a:solidFill>
+                  <a:schemeClr val="tx1"/>
+                </a:solidFill>
+              </a:rPr>
+              <a:t>fig.add_subplot</a:t>
+            </a:r>
+            <a:r>
+              <a:rPr lang="en-US" altLang="ko-KR" sz="1200" dirty="0">
+                <a:solidFill>
+                  <a:schemeClr val="tx1"/>
+                </a:solidFill>
+              </a:rPr>
+              <a:t>(132) # </a:t>
+            </a:r>
+            <a:r>
+              <a:rPr lang="ko-KR" altLang="en-US" sz="1200" dirty="0">
+                <a:solidFill>
+                  <a:schemeClr val="tx1"/>
+                </a:solidFill>
+              </a:rPr>
+              <a:t>위치설정</a:t>
+            </a:r>
+          </a:p>
+          <a:p>
+            <a:pPr algn="just"/>
+            <a:r>
+              <a:rPr lang="en-US" altLang="ko-KR" sz="1200" dirty="0" err="1">
+                <a:solidFill>
+                  <a:schemeClr val="tx1"/>
+                </a:solidFill>
+              </a:rPr>
+              <a:t>pylab.plot</a:t>
+            </a:r>
+            <a:r>
+              <a:rPr lang="en-US" altLang="ko-KR" sz="1200" dirty="0">
+                <a:solidFill>
+                  <a:schemeClr val="tx1"/>
+                </a:solidFill>
+              </a:rPr>
+              <a:t>(</a:t>
+            </a:r>
+            <a:r>
+              <a:rPr lang="en-US" altLang="ko-KR" sz="1200" dirty="0" err="1">
+                <a:solidFill>
+                  <a:schemeClr val="tx1"/>
+                </a:solidFill>
+              </a:rPr>
+              <a:t>new_h</a:t>
+            </a:r>
+            <a:r>
+              <a:rPr lang="en-US" altLang="ko-KR" sz="1200" dirty="0">
+                <a:solidFill>
+                  <a:schemeClr val="tx1"/>
+                </a:solidFill>
+              </a:rPr>
+              <a:t>) # </a:t>
+            </a:r>
+            <a:r>
+              <a:rPr lang="ko-KR" altLang="en-US" sz="1200" dirty="0" err="1">
+                <a:solidFill>
+                  <a:schemeClr val="tx1"/>
+                </a:solidFill>
+              </a:rPr>
+              <a:t>평활화</a:t>
+            </a:r>
+            <a:r>
+              <a:rPr lang="ko-KR" altLang="en-US" sz="1200" dirty="0">
+                <a:solidFill>
+                  <a:schemeClr val="tx1"/>
+                </a:solidFill>
+              </a:rPr>
+              <a:t> 그래프 그리기</a:t>
+            </a:r>
+          </a:p>
+          <a:p>
+            <a:pPr algn="just"/>
+            <a:r>
+              <a:rPr lang="en-US" altLang="ko-KR" sz="1200" dirty="0" err="1">
+                <a:solidFill>
+                  <a:schemeClr val="tx1"/>
+                </a:solidFill>
+              </a:rPr>
+              <a:t>pylab.title</a:t>
+            </a:r>
+            <a:r>
+              <a:rPr lang="en-US" altLang="ko-KR" sz="1200" dirty="0">
+                <a:solidFill>
+                  <a:schemeClr val="tx1"/>
+                </a:solidFill>
+              </a:rPr>
+              <a:t>('New histogram') # </a:t>
+            </a:r>
+            <a:r>
+              <a:rPr lang="ko-KR" altLang="en-US" sz="1200" dirty="0">
+                <a:solidFill>
+                  <a:schemeClr val="tx1"/>
+                </a:solidFill>
+              </a:rPr>
+              <a:t>제목표기</a:t>
+            </a:r>
+          </a:p>
+          <a:p>
+            <a:pPr algn="just"/>
+            <a:endParaRPr lang="ko-KR" altLang="en-US" sz="1200" dirty="0">
+              <a:solidFill>
+                <a:schemeClr val="tx1"/>
+              </a:solidFill>
+            </a:endParaRPr>
+          </a:p>
+          <a:p>
+            <a:pPr algn="just"/>
+            <a:r>
+              <a:rPr lang="en-US" altLang="ko-KR" sz="1200" dirty="0" err="1">
+                <a:solidFill>
+                  <a:schemeClr val="tx1"/>
+                </a:solidFill>
+              </a:rPr>
+              <a:t>fig.add_subplot</a:t>
+            </a:r>
+            <a:r>
+              <a:rPr lang="en-US" altLang="ko-KR" sz="1200" dirty="0">
+                <a:solidFill>
+                  <a:schemeClr val="tx1"/>
+                </a:solidFill>
+              </a:rPr>
+              <a:t>(133) # </a:t>
+            </a:r>
+            <a:r>
+              <a:rPr lang="ko-KR" altLang="en-US" sz="1200" dirty="0">
+                <a:solidFill>
+                  <a:schemeClr val="tx1"/>
+                </a:solidFill>
+              </a:rPr>
+              <a:t>위치설정</a:t>
+            </a:r>
+          </a:p>
+          <a:p>
+            <a:pPr algn="just"/>
+            <a:r>
+              <a:rPr lang="en-US" altLang="ko-KR" sz="1200" dirty="0" err="1">
+                <a:solidFill>
+                  <a:schemeClr val="tx1"/>
+                </a:solidFill>
+              </a:rPr>
+              <a:t>pylab.plot</a:t>
+            </a:r>
+            <a:r>
+              <a:rPr lang="en-US" altLang="ko-KR" sz="1200" dirty="0">
+                <a:solidFill>
+                  <a:schemeClr val="tx1"/>
+                </a:solidFill>
+              </a:rPr>
+              <a:t>(</a:t>
+            </a:r>
+            <a:r>
+              <a:rPr lang="en-US" altLang="ko-KR" sz="1200" dirty="0" err="1">
+                <a:solidFill>
+                  <a:schemeClr val="tx1"/>
+                </a:solidFill>
+              </a:rPr>
+              <a:t>sk</a:t>
+            </a:r>
+            <a:r>
+              <a:rPr lang="en-US" altLang="ko-KR" sz="1200" dirty="0">
+                <a:solidFill>
+                  <a:schemeClr val="tx1"/>
+                </a:solidFill>
+              </a:rPr>
+              <a:t>) # CDF </a:t>
+            </a:r>
+            <a:r>
+              <a:rPr lang="ko-KR" altLang="en-US" sz="1200" dirty="0">
+                <a:solidFill>
+                  <a:schemeClr val="tx1"/>
+                </a:solidFill>
+              </a:rPr>
+              <a:t>그래프 그리기</a:t>
+            </a:r>
+          </a:p>
+          <a:p>
+            <a:pPr algn="just"/>
+            <a:r>
+              <a:rPr lang="en-US" altLang="ko-KR" sz="1200" dirty="0" err="1">
+                <a:solidFill>
+                  <a:schemeClr val="tx1"/>
+                </a:solidFill>
+              </a:rPr>
+              <a:t>pylab.title</a:t>
+            </a:r>
+            <a:r>
+              <a:rPr lang="en-US" altLang="ko-KR" sz="1200" dirty="0">
+                <a:solidFill>
+                  <a:schemeClr val="tx1"/>
+                </a:solidFill>
+              </a:rPr>
+              <a:t>('Transfer function') # </a:t>
+            </a:r>
+            <a:r>
+              <a:rPr lang="ko-KR" altLang="en-US" sz="1200" dirty="0">
+                <a:solidFill>
+                  <a:schemeClr val="tx1"/>
+                </a:solidFill>
+              </a:rPr>
+              <a:t>제목표기</a:t>
+            </a:r>
+          </a:p>
+          <a:p>
+            <a:pPr algn="just"/>
+            <a:endParaRPr lang="ko-KR" altLang="en-US" sz="1200" dirty="0">
+              <a:solidFill>
+                <a:schemeClr val="tx1"/>
+              </a:solidFill>
+            </a:endParaRPr>
+          </a:p>
+          <a:p>
+            <a:pPr algn="just"/>
+            <a:r>
+              <a:rPr lang="en-US" altLang="ko-KR" sz="1200" dirty="0" err="1">
+                <a:solidFill>
+                  <a:schemeClr val="tx1"/>
+                </a:solidFill>
+              </a:rPr>
+              <a:t>pylab.show</a:t>
+            </a:r>
+            <a:r>
+              <a:rPr lang="en-US" altLang="ko-KR" sz="1200" dirty="0">
+                <a:solidFill>
+                  <a:schemeClr val="tx1"/>
+                </a:solidFill>
+              </a:rPr>
+              <a:t>() # </a:t>
+            </a:r>
+            <a:r>
+              <a:rPr lang="ko-KR" altLang="en-US" sz="1200" dirty="0">
+                <a:solidFill>
+                  <a:schemeClr val="tx1"/>
+                </a:solidFill>
+              </a:rPr>
+              <a:t>그리기</a:t>
+            </a:r>
+          </a:p>
+        </p:txBody>
+      </p:sp>
+      <p:pic>
+        <p:nvPicPr>
+          <p:cNvPr id="5" name="그림 4">
+            <a:extLst>
+              <a:ext uri="{FF2B5EF4-FFF2-40B4-BE49-F238E27FC236}">
+                <a16:creationId xmlns:a16="http://schemas.microsoft.com/office/drawing/2014/main" id="{D5DD14B6-60D4-4EC7-B0FC-6738E5F6100C}"/>
+              </a:ext>
+            </a:extLst>
+          </p:cNvPr>
+          <p:cNvPicPr>
+            <a:picLocks noChangeAspect="1"/>
+          </p:cNvPicPr>
+          <p:nvPr/>
+        </p:nvPicPr>
+        <p:blipFill>
+          <a:blip r:embed="rId2"/>
+          <a:stretch>
+            <a:fillRect/>
+          </a:stretch>
+        </p:blipFill>
+        <p:spPr>
+          <a:xfrm>
+            <a:off x="529589" y="3380993"/>
+            <a:ext cx="5798820" cy="3479292"/>
+          </a:xfrm>
+          <a:prstGeom prst="rect">
+            <a:avLst/>
+          </a:prstGeom>
+        </p:spPr>
+      </p:pic>
+    </p:spTree>
+    <p:extLst>
+      <p:ext uri="{BB962C8B-B14F-4D97-AF65-F5344CB8AC3E}">
+        <p14:creationId xmlns:p14="http://schemas.microsoft.com/office/powerpoint/2010/main" val="1822391503"/>
       </p:ext>
     </p:extLst>
   </p:cSld>
